--- a/CFT4CUnitSrc/src/report/DinhNgocThi-Baocaotiendo201612.pptx
+++ b/CFT4CUnitSrc/src/report/DinhNgocThi-Baocaotiendo201612.pptx
@@ -8,9 +8,10 @@
     <p:sldId id="256" r:id="rId2"/>
     <p:sldId id="257" r:id="rId3"/>
     <p:sldId id="258" r:id="rId4"/>
-    <p:sldId id="259" r:id="rId5"/>
-    <p:sldId id="268" r:id="rId6"/>
-    <p:sldId id="261" r:id="rId7"/>
+    <p:sldId id="269" r:id="rId5"/>
+    <p:sldId id="259" r:id="rId6"/>
+    <p:sldId id="268" r:id="rId7"/>
+    <p:sldId id="261" r:id="rId8"/>
   </p:sldIdLst>
   <p:sldSz cx="9144000" cy="6858000" type="screen4x3"/>
   <p:notesSz cx="6858000" cy="9144000"/>
@@ -3631,104 +3632,8 @@
               <a:t>: </a:t>
             </a:r>
             <a:r>
-              <a:rPr lang="en-US" sz="2200" dirty="0" err="1" smtClean="0"/>
-              <a:t>Các</a:t>
-            </a:r>
-            <a:r>
-              <a:rPr lang="en-US" sz="2200" dirty="0" smtClean="0"/>
-              <a:t> </a:t>
-            </a:r>
-            <a:r>
-              <a:rPr lang="en-US" sz="2200" dirty="0" err="1" smtClean="0"/>
-              <a:t>kỹ</a:t>
-            </a:r>
-            <a:r>
-              <a:rPr lang="en-US" sz="2200" dirty="0" smtClean="0"/>
-              <a:t> </a:t>
-            </a:r>
-            <a:r>
-              <a:rPr lang="en-US" sz="2200" dirty="0" err="1" smtClean="0"/>
-              <a:t>thuật</a:t>
-            </a:r>
-            <a:r>
-              <a:rPr lang="en-US" sz="2200" dirty="0" smtClean="0"/>
-              <a:t> </a:t>
-            </a:r>
-            <a:r>
-              <a:rPr lang="en-US" sz="2200" dirty="0" err="1" smtClean="0"/>
-              <a:t>trừu</a:t>
-            </a:r>
-            <a:r>
-              <a:rPr lang="en-US" sz="2200" dirty="0" smtClean="0"/>
-              <a:t> </a:t>
-            </a:r>
-            <a:r>
-              <a:rPr lang="en-US" sz="2200" dirty="0" err="1" smtClean="0"/>
-              <a:t>tượng</a:t>
-            </a:r>
-            <a:r>
-              <a:rPr lang="en-US" sz="2200" dirty="0" smtClean="0"/>
-              <a:t> </a:t>
-            </a:r>
-            <a:r>
-              <a:rPr lang="en-US" sz="2200" dirty="0" err="1" smtClean="0"/>
-              <a:t>hóa</a:t>
-            </a:r>
-            <a:r>
-              <a:rPr lang="en-US" sz="2200" dirty="0" smtClean="0"/>
-              <a:t> </a:t>
-            </a:r>
-            <a:r>
-              <a:rPr lang="en-US" sz="2200" dirty="0" err="1" smtClean="0"/>
-              <a:t>chương</a:t>
-            </a:r>
-            <a:r>
-              <a:rPr lang="en-US" sz="2200" dirty="0" smtClean="0"/>
-              <a:t> </a:t>
-            </a:r>
-            <a:r>
-              <a:rPr lang="en-US" sz="2200" dirty="0" err="1" smtClean="0"/>
-              <a:t>trình</a:t>
-            </a:r>
-            <a:r>
-              <a:rPr lang="en-US" sz="2200" dirty="0" smtClean="0"/>
-              <a:t> </a:t>
-            </a:r>
-            <a:r>
-              <a:rPr lang="en-US" sz="2200" dirty="0" err="1" smtClean="0"/>
-              <a:t>trong</a:t>
-            </a:r>
-            <a:r>
-              <a:rPr lang="en-US" sz="2200" dirty="0" smtClean="0"/>
-              <a:t> </a:t>
-            </a:r>
-            <a:r>
-              <a:rPr lang="en-US" sz="2200" dirty="0" err="1" smtClean="0"/>
-              <a:t>kiểm</a:t>
-            </a:r>
-            <a:r>
-              <a:rPr lang="en-US" sz="2200" dirty="0" smtClean="0"/>
-              <a:t> </a:t>
-            </a:r>
-            <a:r>
-              <a:rPr lang="en-US" sz="2200" dirty="0" err="1" smtClean="0"/>
-              <a:t>chứng</a:t>
-            </a:r>
-            <a:r>
-              <a:rPr lang="en-US" sz="2200" dirty="0" smtClean="0"/>
-              <a:t> </a:t>
-            </a:r>
-            <a:r>
-              <a:rPr lang="en-US" sz="2200" dirty="0" err="1" smtClean="0"/>
-              <a:t>phần</a:t>
-            </a:r>
-            <a:r>
-              <a:rPr lang="en-US" sz="2200" dirty="0" smtClean="0"/>
-              <a:t> </a:t>
-            </a:r>
-            <a:r>
-              <a:rPr lang="en-US" sz="2200" dirty="0" err="1" smtClean="0"/>
-              <a:t>mềm</a:t>
+              <a:rPr lang="en-US" sz="2000" dirty="0"/>
+              <a:t>Path Testing using Genetic Algorithm</a:t>
             </a:r>
             <a:endParaRPr lang="en-US" sz="2200" dirty="0"/>
           </a:p>
@@ -4114,6 +4019,10 @@
               <a:rPr lang="en-US" dirty="0" err="1" smtClean="0"/>
               <a:t>tạo</a:t>
             </a:r>
+            <a:r>
+              <a:rPr lang="en-US" dirty="0" smtClean="0"/>
+              <a:t>(1)</a:t>
+            </a:r>
             <a:endParaRPr lang="en-US" dirty="0"/>
           </a:p>
         </p:txBody>
@@ -4597,38 +4506,60 @@
           </a:xfrm>
         </p:spPr>
         <p:txBody>
-          <a:bodyPr>
-            <a:normAutofit/>
-          </a:bodyPr>
-          <a:lstStyle/>
-          <a:p>
-            <a:r>
-              <a:rPr lang="en-US" dirty="0"/>
-              <a:t>2</a:t>
-            </a:r>
-            <a:r>
-              <a:rPr lang="en-US" dirty="0" smtClean="0"/>
-              <a:t>. Tiến </a:t>
-            </a:r>
-            <a:r>
-              <a:rPr lang="en-US" dirty="0" err="1" smtClean="0"/>
-              <a:t>độ</a:t>
-            </a:r>
-            <a:r>
-              <a:rPr lang="en-US" dirty="0" smtClean="0"/>
-              <a:t> </a:t>
-            </a:r>
-            <a:r>
-              <a:rPr lang="en-US" dirty="0" err="1" smtClean="0"/>
-              <a:t>nghiên</a:t>
-            </a:r>
-            <a:r>
-              <a:rPr lang="en-US" dirty="0" smtClean="0"/>
-              <a:t> </a:t>
-            </a:r>
-            <a:r>
-              <a:rPr lang="en-US" dirty="0" err="1" smtClean="0"/>
-              <a:t>cứu</a:t>
+          <a:bodyPr/>
+          <a:lstStyle/>
+          <a:p>
+            <a:r>
+              <a:rPr lang="en-US" dirty="0" smtClean="0"/>
+              <a:t>1. </a:t>
+            </a:r>
+            <a:r>
+              <a:rPr lang="en-US" dirty="0" err="1" smtClean="0"/>
+              <a:t>Thực</a:t>
+            </a:r>
+            <a:r>
+              <a:rPr lang="en-US" dirty="0" smtClean="0"/>
+              <a:t> </a:t>
+            </a:r>
+            <a:r>
+              <a:rPr lang="en-US" dirty="0" err="1" smtClean="0"/>
+              <a:t>hiện</a:t>
+            </a:r>
+            <a:r>
+              <a:rPr lang="en-US" dirty="0" smtClean="0"/>
+              <a:t> </a:t>
+            </a:r>
+            <a:r>
+              <a:rPr lang="en-US" dirty="0" err="1" smtClean="0"/>
+              <a:t>chương</a:t>
+            </a:r>
+            <a:r>
+              <a:rPr lang="en-US" dirty="0" smtClean="0"/>
+              <a:t> </a:t>
+            </a:r>
+            <a:r>
+              <a:rPr lang="en-US" dirty="0" err="1" smtClean="0"/>
+              <a:t>trình</a:t>
+            </a:r>
+            <a:r>
+              <a:rPr lang="en-US" dirty="0" smtClean="0"/>
+              <a:t> </a:t>
+            </a:r>
+            <a:r>
+              <a:rPr lang="en-US" dirty="0" err="1" smtClean="0"/>
+              <a:t>đào</a:t>
+            </a:r>
+            <a:r>
+              <a:rPr lang="en-US" dirty="0" smtClean="0"/>
+              <a:t> </a:t>
+            </a:r>
+            <a:r>
+              <a:rPr lang="en-US" dirty="0" err="1" smtClean="0"/>
+              <a:t>tạo</a:t>
+            </a:r>
+            <a:r>
+              <a:rPr lang="en-US" dirty="0" smtClean="0"/>
+              <a:t>(2)</a:t>
             </a:r>
             <a:endParaRPr lang="en-US" dirty="0"/>
           </a:p>
@@ -4647,21 +4578,19 @@
         <p:spPr>
           <a:xfrm>
             <a:off x="457200" y="1600200"/>
-            <a:ext cx="8229600" cy="3276600"/>
+            <a:ext cx="8229600" cy="4648200"/>
           </a:xfrm>
         </p:spPr>
         <p:txBody>
-          <a:bodyPr>
-            <a:normAutofit/>
-          </a:bodyPr>
+          <a:bodyPr/>
           <a:lstStyle/>
           <a:p>
             <a:pPr marL="0" indent="0" algn="just">
               <a:buNone/>
             </a:pPr>
             <a:r>
-              <a:rPr lang="en-US" dirty="0" smtClean="0"/>
-              <a:t>1, </a:t>
+              <a:rPr lang="ja-JP" altLang="en-US" dirty="0" smtClean="0"/>
+              <a:t>★</a:t>
             </a:r>
             <a:r>
               <a:rPr lang="en-US" dirty="0" err="1" smtClean="0"/>
@@ -4673,86 +4602,200 @@
             </a:r>
             <a:r>
               <a:rPr lang="en-US" dirty="0" err="1" smtClean="0"/>
-              <a:t>được</a:t>
-            </a:r>
-            <a:r>
-              <a:rPr lang="en-US" dirty="0" smtClean="0"/>
-              <a:t> accepted </a:t>
-            </a:r>
-            <a:r>
-              <a:rPr lang="en-US" dirty="0" smtClean="0"/>
-              <a:t>paper </a:t>
-            </a:r>
-            <a:r>
-              <a:rPr lang="en-US" dirty="0" smtClean="0"/>
-              <a:t>“</a:t>
+              <a:t>hoàn</a:t>
+            </a:r>
+            <a:r>
+              <a:rPr lang="en-US" dirty="0" smtClean="0"/>
+              <a:t> </a:t>
+            </a:r>
+            <a:r>
+              <a:rPr lang="en-US" dirty="0" err="1" smtClean="0"/>
+              <a:t>thành</a:t>
+            </a:r>
+            <a:r>
+              <a:rPr lang="en-US" dirty="0" smtClean="0"/>
+              <a:t> </a:t>
+            </a:r>
+            <a:r>
+              <a:rPr lang="en-US" dirty="0" err="1" smtClean="0"/>
+              <a:t>thủ</a:t>
+            </a:r>
+            <a:r>
+              <a:rPr lang="en-US" dirty="0" smtClean="0"/>
+              <a:t> </a:t>
+            </a:r>
+            <a:r>
+              <a:rPr lang="en-US" dirty="0" err="1" smtClean="0"/>
+              <a:t>tục</a:t>
+            </a:r>
+            <a:r>
+              <a:rPr lang="en-US" dirty="0" smtClean="0"/>
+              <a:t> </a:t>
+            </a:r>
+            <a:r>
+              <a:rPr lang="en-US" dirty="0" err="1" smtClean="0"/>
+              <a:t>xin</a:t>
+            </a:r>
+            <a:r>
+              <a:rPr lang="en-US" dirty="0" smtClean="0"/>
+              <a:t> </a:t>
+            </a:r>
+            <a:r>
+              <a:rPr lang="en-US" dirty="0" err="1" smtClean="0"/>
+              <a:t>đổi</a:t>
+            </a:r>
+            <a:r>
+              <a:rPr lang="en-US" dirty="0" smtClean="0"/>
+              <a:t> </a:t>
+            </a:r>
+            <a:r>
+              <a:rPr lang="en-US" dirty="0" err="1" smtClean="0"/>
+              <a:t>tên</a:t>
+            </a:r>
+            <a:r>
+              <a:rPr lang="en-US" dirty="0" smtClean="0"/>
+              <a:t> </a:t>
+            </a:r>
+            <a:r>
+              <a:rPr lang="en-US" dirty="0" err="1" smtClean="0"/>
+              <a:t>đề</a:t>
+            </a:r>
+            <a:r>
+              <a:rPr lang="en-US" dirty="0" smtClean="0"/>
+              <a:t> </a:t>
+            </a:r>
+            <a:r>
+              <a:rPr lang="en-US" dirty="0" err="1" smtClean="0"/>
+              <a:t>tài</a:t>
+            </a:r>
+            <a:r>
+              <a:rPr lang="en-US" dirty="0" smtClean="0"/>
+              <a:t> </a:t>
+            </a:r>
+            <a:r>
+              <a:rPr lang="en-US" dirty="0" err="1" smtClean="0"/>
+              <a:t>luận</a:t>
+            </a:r>
+            <a:r>
+              <a:rPr lang="en-US" dirty="0" smtClean="0"/>
+              <a:t> </a:t>
+            </a:r>
+            <a:r>
+              <a:rPr lang="en-US" dirty="0" err="1" smtClean="0"/>
+              <a:t>án</a:t>
+            </a:r>
+            <a:r>
+              <a:rPr lang="en-US" dirty="0" smtClean="0"/>
+              <a:t> </a:t>
+            </a:r>
+            <a:r>
+              <a:rPr lang="en-US" dirty="0" err="1" smtClean="0"/>
+              <a:t>thành</a:t>
             </a:r>
             <a:r>
               <a:rPr lang="en-US" dirty="0"/>
-              <a:t>A Technique for Generating Test Data using  Genetic </a:t>
-            </a:r>
-            <a:r>
-              <a:rPr lang="en-US" dirty="0" smtClean="0"/>
-              <a:t>Algorithms” </a:t>
-            </a:r>
-            <a:r>
-              <a:rPr lang="en-US" dirty="0" err="1" smtClean="0"/>
-              <a:t>tại</a:t>
-            </a:r>
-            <a:r>
-              <a:rPr lang="en-US" dirty="0" smtClean="0"/>
-              <a:t> </a:t>
-            </a:r>
-            <a:r>
-              <a:rPr lang="en-US" dirty="0" err="1" smtClean="0"/>
-              <a:t>ACOMP</a:t>
-            </a:r>
-            <a:r>
-              <a:rPr lang="en-US" dirty="0" smtClean="0"/>
-              <a:t> </a:t>
-            </a:r>
-            <a:r>
-              <a:rPr lang="en-US" dirty="0"/>
-              <a:t>2016 </a:t>
-            </a:r>
-            <a:r>
-              <a:rPr lang="en-US" dirty="0" smtClean="0"/>
-              <a:t>Conference</a:t>
-            </a:r>
-            <a:r>
-              <a:rPr lang="en-US" dirty="0" smtClean="0"/>
-              <a:t>.</a:t>
+              <a:t>: “Path Testing using Genetic Algorithm</a:t>
+            </a:r>
+            <a:r>
+              <a:rPr lang="en-US" dirty="0" smtClean="0"/>
+              <a:t>”</a:t>
             </a:r>
           </a:p>
           <a:p>
             <a:pPr marL="0" indent="0" algn="just">
               <a:buNone/>
             </a:pPr>
+            <a:endParaRPr lang="en-US" dirty="0"/>
+          </a:p>
+          <a:p>
+            <a:pPr marL="0" indent="0" algn="just">
+              <a:buNone/>
+            </a:pPr>
+            <a:r>
+              <a:rPr lang="ja-JP" altLang="en-US" dirty="0"/>
+              <a:t>★ </a:t>
+            </a:r>
+            <a:r>
+              <a:rPr lang="en-US" dirty="0" err="1" smtClean="0"/>
+              <a:t>Đã</a:t>
+            </a:r>
+            <a:r>
+              <a:rPr lang="en-US" dirty="0" smtClean="0"/>
+              <a:t> </a:t>
+            </a:r>
+            <a:r>
+              <a:rPr lang="en-US" dirty="0" err="1" smtClean="0"/>
+              <a:t>thực</a:t>
+            </a:r>
+            <a:r>
+              <a:rPr lang="en-US" dirty="0" smtClean="0"/>
+              <a:t> </a:t>
+            </a:r>
+            <a:r>
+              <a:rPr lang="en-US" dirty="0" err="1" smtClean="0"/>
+              <a:t>hiện</a:t>
+            </a:r>
+            <a:r>
+              <a:rPr lang="en-US" dirty="0" smtClean="0"/>
+              <a:t> </a:t>
+            </a:r>
+            <a:r>
+              <a:rPr lang="en-US" dirty="0" err="1" smtClean="0"/>
+              <a:t>các</a:t>
+            </a:r>
+            <a:r>
+              <a:rPr lang="en-US" dirty="0" smtClean="0"/>
+              <a:t> </a:t>
+            </a:r>
+            <a:r>
+              <a:rPr lang="en-US" dirty="0" err="1" smtClean="0"/>
+              <a:t>chuyên</a:t>
+            </a:r>
+            <a:r>
+              <a:rPr lang="en-US" dirty="0" smtClean="0"/>
+              <a:t> </a:t>
+            </a:r>
+            <a:r>
+              <a:rPr lang="en-US" dirty="0" err="1" smtClean="0"/>
+              <a:t>đề</a:t>
+            </a:r>
+            <a:r>
+              <a:rPr lang="en-US" dirty="0" smtClean="0"/>
+              <a:t> của </a:t>
+            </a:r>
+            <a:r>
+              <a:rPr lang="en-US" dirty="0" smtClean="0"/>
+              <a:t>NCS:</a:t>
+            </a:r>
+          </a:p>
+          <a:p>
+            <a:pPr marL="457200" indent="-457200" algn="just">
+              <a:buFont typeface="Arial" pitchFamily="34" charset="0"/>
+              <a:buAutoNum type="arabicPeriod"/>
+            </a:pPr>
+            <a:r>
+              <a:rPr lang="en-US" dirty="0" smtClean="0"/>
+              <a:t>AAA.</a:t>
+            </a:r>
+            <a:endParaRPr lang="en-US" dirty="0"/>
+          </a:p>
+          <a:p>
+            <a:pPr marL="457200" indent="-457200" algn="just">
+              <a:buAutoNum type="arabicPeriod"/>
+            </a:pPr>
+            <a:r>
+              <a:rPr lang="en-US" dirty="0" smtClean="0"/>
+              <a:t>BBB.</a:t>
+            </a:r>
             <a:endParaRPr lang="en-US" dirty="0" smtClean="0"/>
           </a:p>
           <a:p>
-            <a:pPr marL="0" indent="0" algn="just">
-              <a:buNone/>
+            <a:pPr marL="457200" indent="-457200" algn="just">
+              <a:buAutoNum type="arabicPeriod"/>
             </a:pPr>
             <a:r>
               <a:rPr lang="en-US" dirty="0" smtClean="0"/>
-              <a:t>2, </a:t>
-            </a:r>
-            <a:r>
-              <a:rPr lang="en-US" dirty="0" err="1" smtClean="0"/>
-              <a:t>Đã</a:t>
-            </a:r>
-            <a:r>
-              <a:rPr lang="en-US" dirty="0" smtClean="0"/>
-              <a:t> submit paper “” </a:t>
-            </a:r>
-            <a:r>
-              <a:rPr lang="en-US" dirty="0" err="1" smtClean="0"/>
-              <a:t>tại</a:t>
-            </a:r>
-            <a:r>
-              <a:rPr lang="en-US" dirty="0" smtClean="0"/>
-              <a:t> </a:t>
+              <a:t>CCC.</a:t>
             </a:r>
             <a:endParaRPr lang="en-US" dirty="0" smtClean="0"/>
           </a:p>
@@ -4761,7 +4804,7 @@
     </p:spTree>
     <p:extLst>
       <p:ext uri="{BB962C8B-B14F-4D97-AF65-F5344CB8AC3E}">
-        <p14:creationId xmlns:p14="http://schemas.microsoft.com/office/powerpoint/2010/main" val="486911666"/>
+        <p14:creationId xmlns:p14="http://schemas.microsoft.com/office/powerpoint/2010/main" val="4262241308"/>
       </p:ext>
     </p:extLst>
   </p:cSld>
@@ -4812,6 +4855,208 @@
           </a:xfrm>
         </p:spPr>
         <p:txBody>
+          <a:bodyPr>
+            <a:normAutofit/>
+          </a:bodyPr>
+          <a:lstStyle/>
+          <a:p>
+            <a:r>
+              <a:rPr lang="en-US" dirty="0"/>
+              <a:t>2</a:t>
+            </a:r>
+            <a:r>
+              <a:rPr lang="en-US" dirty="0" smtClean="0"/>
+              <a:t>. Tiến </a:t>
+            </a:r>
+            <a:r>
+              <a:rPr lang="en-US" dirty="0" err="1" smtClean="0"/>
+              <a:t>độ</a:t>
+            </a:r>
+            <a:r>
+              <a:rPr lang="en-US" dirty="0" smtClean="0"/>
+              <a:t> </a:t>
+            </a:r>
+            <a:r>
+              <a:rPr lang="en-US" dirty="0" err="1" smtClean="0"/>
+              <a:t>nghiên</a:t>
+            </a:r>
+            <a:r>
+              <a:rPr lang="en-US" dirty="0" smtClean="0"/>
+              <a:t> </a:t>
+            </a:r>
+            <a:r>
+              <a:rPr lang="en-US" dirty="0" err="1" smtClean="0"/>
+              <a:t>cứu</a:t>
+            </a:r>
+            <a:endParaRPr lang="en-US" dirty="0"/>
+          </a:p>
+        </p:txBody>
+      </p:sp>
+      <p:sp>
+        <p:nvSpPr>
+          <p:cNvPr id="3" name="Content Placeholder 2"/>
+          <p:cNvSpPr>
+            <a:spLocks noGrp="1"/>
+          </p:cNvSpPr>
+          <p:nvPr>
+            <p:ph idx="1"/>
+          </p:nvPr>
+        </p:nvSpPr>
+        <p:spPr>
+          <a:xfrm>
+            <a:off x="457200" y="1600200"/>
+            <a:ext cx="8229600" cy="3276600"/>
+          </a:xfrm>
+        </p:spPr>
+        <p:txBody>
+          <a:bodyPr>
+            <a:normAutofit/>
+          </a:bodyPr>
+          <a:lstStyle/>
+          <a:p>
+            <a:pPr marL="0" indent="0" algn="just">
+              <a:buNone/>
+            </a:pPr>
+            <a:r>
+              <a:rPr lang="en-US" dirty="0" smtClean="0"/>
+              <a:t>1, </a:t>
+            </a:r>
+            <a:r>
+              <a:rPr lang="en-US" dirty="0" err="1" smtClean="0"/>
+              <a:t>Đã</a:t>
+            </a:r>
+            <a:r>
+              <a:rPr lang="en-US" dirty="0" smtClean="0"/>
+              <a:t> </a:t>
+            </a:r>
+            <a:r>
+              <a:rPr lang="en-US" dirty="0" err="1" smtClean="0"/>
+              <a:t>được</a:t>
+            </a:r>
+            <a:r>
+              <a:rPr lang="en-US" dirty="0" smtClean="0"/>
+              <a:t> accepted paper “</a:t>
+            </a:r>
+            <a:r>
+              <a:rPr lang="en-US" dirty="0"/>
+              <a:t>A Technique for Generating Test Data using  Genetic </a:t>
+            </a:r>
+            <a:r>
+              <a:rPr lang="en-US" dirty="0" smtClean="0"/>
+              <a:t>Algorithms” </a:t>
+            </a:r>
+            <a:r>
+              <a:rPr lang="en-US" dirty="0" err="1" smtClean="0"/>
+              <a:t>tại</a:t>
+            </a:r>
+            <a:r>
+              <a:rPr lang="en-US" dirty="0" smtClean="0"/>
+              <a:t> </a:t>
+            </a:r>
+            <a:r>
+              <a:rPr lang="en-US" dirty="0" err="1" smtClean="0"/>
+              <a:t>ACOMP</a:t>
+            </a:r>
+            <a:r>
+              <a:rPr lang="en-US" dirty="0" smtClean="0"/>
+              <a:t> </a:t>
+            </a:r>
+            <a:r>
+              <a:rPr lang="en-US" dirty="0"/>
+              <a:t>2016 </a:t>
+            </a:r>
+            <a:r>
+              <a:rPr lang="en-US" dirty="0" smtClean="0"/>
+              <a:t>Conference.</a:t>
+            </a:r>
+          </a:p>
+          <a:p>
+            <a:pPr marL="0" indent="0" algn="just">
+              <a:buNone/>
+            </a:pPr>
+            <a:endParaRPr lang="en-US" dirty="0" smtClean="0"/>
+          </a:p>
+          <a:p>
+            <a:pPr marL="0" indent="0" algn="just">
+              <a:buNone/>
+            </a:pPr>
+            <a:r>
+              <a:rPr lang="en-US" dirty="0" smtClean="0"/>
+              <a:t>2, </a:t>
+            </a:r>
+            <a:r>
+              <a:rPr lang="en-US" dirty="0" err="1" smtClean="0"/>
+              <a:t>Đã</a:t>
+            </a:r>
+            <a:r>
+              <a:rPr lang="en-US" dirty="0" smtClean="0"/>
+              <a:t> submit paper “” </a:t>
+            </a:r>
+            <a:r>
+              <a:rPr lang="en-US" dirty="0" err="1" smtClean="0"/>
+              <a:t>tại</a:t>
+            </a:r>
+            <a:r>
+              <a:rPr lang="en-US" dirty="0" smtClean="0"/>
+              <a:t> </a:t>
+            </a:r>
+          </a:p>
+        </p:txBody>
+      </p:sp>
+    </p:spTree>
+    <p:extLst>
+      <p:ext uri="{BB962C8B-B14F-4D97-AF65-F5344CB8AC3E}">
+        <p14:creationId xmlns:p14="http://schemas.microsoft.com/office/powerpoint/2010/main" val="486911666"/>
+      </p:ext>
+    </p:extLst>
+  </p:cSld>
+  <p:clrMapOvr>
+    <a:masterClrMapping/>
+  </p:clrMapOvr>
+  <p:timing>
+    <p:tnLst>
+      <p:par>
+        <p:cTn id="1" dur="indefinite" restart="never" nodeType="tmRoot"/>
+      </p:par>
+    </p:tnLst>
+  </p:timing>
+</p:sld>
+</file>
+
+<file path=ppt/slides/slide6.xml><?xml version="1.0" encoding="utf-8"?>
+<p:sld xmlns:a="http://schemas.openxmlformats.org/drawingml/2006/main" xmlns:r="http://schemas.openxmlformats.org/officeDocument/2006/relationships" xmlns:p="http://schemas.openxmlformats.org/presentationml/2006/main">
+  <p:cSld>
+    <p:spTree>
+      <p:nvGrpSpPr>
+        <p:cNvPr id="1" name=""/>
+        <p:cNvGrpSpPr/>
+        <p:nvPr/>
+      </p:nvGrpSpPr>
+      <p:grpSpPr>
+        <a:xfrm>
+          <a:off x="0" y="0"/>
+          <a:ext cx="0" cy="0"/>
+          <a:chOff x="0" y="0"/>
+          <a:chExt cx="0" cy="0"/>
+        </a:xfrm>
+      </p:grpSpPr>
+      <p:sp>
+        <p:nvSpPr>
+          <p:cNvPr id="2" name="Title 1"/>
+          <p:cNvSpPr>
+            <a:spLocks noGrp="1"/>
+          </p:cNvSpPr>
+          <p:nvPr>
+            <p:ph type="title"/>
+          </p:nvPr>
+        </p:nvSpPr>
+        <p:spPr>
+          <a:xfrm>
+            <a:off x="302840" y="533400"/>
+            <a:ext cx="8229600" cy="990600"/>
+          </a:xfrm>
+        </p:spPr>
+        <p:txBody>
           <a:bodyPr/>
           <a:lstStyle/>
           <a:p>
@@ -5013,7 +5258,7 @@
 </p:sld>
 </file>
 
-<file path=ppt/slides/slide6.xml><?xml version="1.0" encoding="utf-8"?>
+<file path=ppt/slides/slide7.xml><?xml version="1.0" encoding="utf-8"?>
 <p:sld xmlns:a="http://schemas.openxmlformats.org/drawingml/2006/main" xmlns:r="http://schemas.openxmlformats.org/officeDocument/2006/relationships" xmlns:p="http://schemas.openxmlformats.org/presentationml/2006/main">
   <p:cSld>
     <p:spTree>

--- a/CFT4CUnitSrc/src/report/DinhNgocThi-Baocaotiendo201612.pptx
+++ b/CFT4CUnitSrc/src/report/DinhNgocThi-Baocaotiendo201612.pptx
@@ -3642,7 +3642,7 @@
     </p:spTree>
     <p:extLst>
       <p:ext uri="{BB962C8B-B14F-4D97-AF65-F5344CB8AC3E}">
-        <p14:creationId xmlns:p14="http://schemas.microsoft.com/office/powerpoint/2010/main" val="2505687080"/>
+        <p14:creationId xmlns:p14="http://schemas.microsoft.com/office/powerpoint/2010/main" xmlns="" val="2505687080"/>
       </p:ext>
     </p:extLst>
   </p:cSld>
@@ -3917,7 +3917,7 @@
     </p:spTree>
     <p:extLst>
       <p:ext uri="{BB962C8B-B14F-4D97-AF65-F5344CB8AC3E}">
-        <p14:creationId xmlns:p14="http://schemas.microsoft.com/office/powerpoint/2010/main" val="2290358762"/>
+        <p14:creationId xmlns:p14="http://schemas.microsoft.com/office/powerpoint/2010/main" xmlns="" val="2290358762"/>
       </p:ext>
     </p:extLst>
   </p:cSld>
@@ -4455,7 +4455,7 @@
     </p:spTree>
     <p:extLst>
       <p:ext uri="{BB962C8B-B14F-4D97-AF65-F5344CB8AC3E}">
-        <p14:creationId xmlns:p14="http://schemas.microsoft.com/office/powerpoint/2010/main" val="1706071063"/>
+        <p14:creationId xmlns:p14="http://schemas.microsoft.com/office/powerpoint/2010/main" xmlns="" val="1706071063"/>
       </p:ext>
     </p:extLst>
   </p:cSld>
@@ -4589,8 +4589,8 @@
               <a:buNone/>
             </a:pPr>
             <a:r>
-              <a:rPr lang="ja-JP" altLang="en-US" dirty="0" smtClean="0"/>
-              <a:t>★</a:t>
+              <a:rPr lang="ja-JP" altLang="en-US" smtClean="0"/>
+              <a:t>★ </a:t>
             </a:r>
             <a:r>
               <a:rPr lang="en-US" dirty="0" err="1" smtClean="0"/>
@@ -4712,11 +4712,11 @@
               <a:buNone/>
             </a:pPr>
             <a:r>
-              <a:rPr lang="ja-JP" altLang="en-US" dirty="0"/>
+              <a:rPr lang="ja-JP" altLang="en-US" smtClean="0"/>
               <a:t>★ </a:t>
             </a:r>
             <a:r>
-              <a:rPr lang="en-US" dirty="0" err="1" smtClean="0"/>
+              <a:rPr lang="en-US" smtClean="0"/>
               <a:t>Đã</a:t>
             </a:r>
             <a:r>
@@ -4761,11 +4761,7 @@
             </a:r>
             <a:r>
               <a:rPr lang="en-US" dirty="0" smtClean="0"/>
-              <a:t> của </a:t>
-            </a:r>
-            <a:r>
-              <a:rPr lang="en-US" dirty="0" smtClean="0"/>
-              <a:t>NCS:</a:t>
+              <a:t> của NCS:</a:t>
             </a:r>
           </a:p>
           <a:p>
@@ -4787,7 +4783,6 @@
               <a:rPr lang="en-US" dirty="0" smtClean="0"/>
               <a:t>BBB.</a:t>
             </a:r>
-            <a:endParaRPr lang="en-US" dirty="0" smtClean="0"/>
           </a:p>
           <a:p>
             <a:pPr marL="457200" indent="-457200" algn="just">
@@ -4797,14 +4792,13 @@
               <a:rPr lang="en-US" dirty="0" smtClean="0"/>
               <a:t>CCC.</a:t>
             </a:r>
-            <a:endParaRPr lang="en-US" dirty="0" smtClean="0"/>
           </a:p>
         </p:txBody>
       </p:sp>
     </p:spTree>
     <p:extLst>
       <p:ext uri="{BB962C8B-B14F-4D97-AF65-F5344CB8AC3E}">
-        <p14:creationId xmlns:p14="http://schemas.microsoft.com/office/powerpoint/2010/main" val="4262241308"/>
+        <p14:creationId xmlns:p14="http://schemas.microsoft.com/office/powerpoint/2010/main" xmlns="" val="4262241308"/>
       </p:ext>
     </p:extLst>
   </p:cSld>
@@ -5006,7 +5000,7 @@
     </p:spTree>
     <p:extLst>
       <p:ext uri="{BB962C8B-B14F-4D97-AF65-F5344CB8AC3E}">
-        <p14:creationId xmlns:p14="http://schemas.microsoft.com/office/powerpoint/2010/main" val="486911666"/>
+        <p14:creationId xmlns:p14="http://schemas.microsoft.com/office/powerpoint/2010/main" xmlns="" val="486911666"/>
       </p:ext>
     </p:extLst>
   </p:cSld>
@@ -5241,7 +5235,7 @@
     </p:spTree>
     <p:extLst>
       <p:ext uri="{BB962C8B-B14F-4D97-AF65-F5344CB8AC3E}">
-        <p14:creationId xmlns:p14="http://schemas.microsoft.com/office/powerpoint/2010/main" val="3136962569"/>
+        <p14:creationId xmlns:p14="http://schemas.microsoft.com/office/powerpoint/2010/main" xmlns="" val="3136962569"/>
       </p:ext>
     </p:extLst>
   </p:cSld>
@@ -5372,7 +5366,7 @@
     </p:spTree>
     <p:extLst>
       <p:ext uri="{BB962C8B-B14F-4D97-AF65-F5344CB8AC3E}">
-        <p14:creationId xmlns:p14="http://schemas.microsoft.com/office/powerpoint/2010/main" val="1441455490"/>
+        <p14:creationId xmlns:p14="http://schemas.microsoft.com/office/powerpoint/2010/main" xmlns="" val="1441455490"/>
       </p:ext>
     </p:extLst>
   </p:cSld>

--- a/CFT4CUnitSrc/src/report/DinhNgocThi-Baocaotiendo201612.pptx
+++ b/CFT4CUnitSrc/src/report/DinhNgocThi-Baocaotiendo201612.pptx
@@ -302,7 +302,7 @@
             <a:fld id="{303881E0-EDA0-4CAA-BDE9-D54759E7AE67}" type="datetimeFigureOut">
               <a:rPr lang="en-US" smtClean="0"/>
               <a:pPr/>
-              <a:t>8/20/2016</a:t>
+              <a:t>8/31/2016</a:t>
             </a:fld>
             <a:endParaRPr lang="en-US"/>
           </a:p>
@@ -504,7 +504,7 @@
             <a:fld id="{303881E0-EDA0-4CAA-BDE9-D54759E7AE67}" type="datetimeFigureOut">
               <a:rPr lang="en-US" smtClean="0"/>
               <a:pPr/>
-              <a:t>8/20/2016</a:t>
+              <a:t>8/31/2016</a:t>
             </a:fld>
             <a:endParaRPr lang="en-US"/>
           </a:p>
@@ -681,7 +681,7 @@
             <a:fld id="{303881E0-EDA0-4CAA-BDE9-D54759E7AE67}" type="datetimeFigureOut">
               <a:rPr lang="en-US" smtClean="0"/>
               <a:pPr/>
-              <a:t>8/20/2016</a:t>
+              <a:t>8/31/2016</a:t>
             </a:fld>
             <a:endParaRPr lang="en-US"/>
           </a:p>
@@ -848,7 +848,7 @@
             <a:fld id="{303881E0-EDA0-4CAA-BDE9-D54759E7AE67}" type="datetimeFigureOut">
               <a:rPr lang="en-US" smtClean="0"/>
               <a:pPr/>
-              <a:t>8/20/2016</a:t>
+              <a:t>8/31/2016</a:t>
             </a:fld>
             <a:endParaRPr lang="en-US"/>
           </a:p>
@@ -1098,7 +1098,7 @@
             <a:fld id="{303881E0-EDA0-4CAA-BDE9-D54759E7AE67}" type="datetimeFigureOut">
               <a:rPr lang="en-US" smtClean="0"/>
               <a:pPr/>
-              <a:t>8/20/2016</a:t>
+              <a:t>8/31/2016</a:t>
             </a:fld>
             <a:endParaRPr lang="en-US"/>
           </a:p>
@@ -1418,7 +1418,7 @@
             <a:fld id="{303881E0-EDA0-4CAA-BDE9-D54759E7AE67}" type="datetimeFigureOut">
               <a:rPr lang="en-US" smtClean="0"/>
               <a:pPr/>
-              <a:t>8/20/2016</a:t>
+              <a:t>8/31/2016</a:t>
             </a:fld>
             <a:endParaRPr lang="en-US"/>
           </a:p>
@@ -1886,7 +1886,7 @@
             <a:fld id="{303881E0-EDA0-4CAA-BDE9-D54759E7AE67}" type="datetimeFigureOut">
               <a:rPr lang="en-US" smtClean="0"/>
               <a:pPr/>
-              <a:t>8/20/2016</a:t>
+              <a:t>8/31/2016</a:t>
             </a:fld>
             <a:endParaRPr lang="en-US"/>
           </a:p>
@@ -2036,7 +2036,7 @@
             <a:fld id="{303881E0-EDA0-4CAA-BDE9-D54759E7AE67}" type="datetimeFigureOut">
               <a:rPr lang="en-US" smtClean="0"/>
               <a:pPr/>
-              <a:t>8/20/2016</a:t>
+              <a:t>8/31/2016</a:t>
             </a:fld>
             <a:endParaRPr lang="en-US"/>
           </a:p>
@@ -2128,7 +2128,7 @@
             <a:fld id="{303881E0-EDA0-4CAA-BDE9-D54759E7AE67}" type="datetimeFigureOut">
               <a:rPr lang="en-US" smtClean="0"/>
               <a:pPr/>
-              <a:t>8/20/2016</a:t>
+              <a:t>8/31/2016</a:t>
             </a:fld>
             <a:endParaRPr lang="en-US"/>
           </a:p>
@@ -2404,7 +2404,7 @@
             <a:fld id="{303881E0-EDA0-4CAA-BDE9-D54759E7AE67}" type="datetimeFigureOut">
               <a:rPr lang="en-US" smtClean="0"/>
               <a:pPr/>
-              <a:t>8/20/2016</a:t>
+              <a:t>8/31/2016</a:t>
             </a:fld>
             <a:endParaRPr lang="en-US"/>
           </a:p>
@@ -2711,7 +2711,7 @@
             <a:fld id="{303881E0-EDA0-4CAA-BDE9-D54759E7AE67}" type="datetimeFigureOut">
               <a:rPr lang="en-US" smtClean="0"/>
               <a:pPr/>
-              <a:t>8/20/2016</a:t>
+              <a:t>8/31/2016</a:t>
             </a:fld>
             <a:endParaRPr lang="en-US"/>
           </a:p>
@@ -3011,7 +3011,7 @@
             <a:fld id="{303881E0-EDA0-4CAA-BDE9-D54759E7AE67}" type="datetimeFigureOut">
               <a:rPr lang="en-US" smtClean="0"/>
               <a:pPr/>
-              <a:t>8/20/2016</a:t>
+              <a:t>8/31/2016</a:t>
             </a:fld>
             <a:endParaRPr lang="en-US"/>
           </a:p>
@@ -3632,8 +3632,120 @@
               <a:t>: </a:t>
             </a:r>
             <a:r>
-              <a:rPr lang="en-US" sz="2000" dirty="0"/>
-              <a:t>Path Testing using Genetic Algorithm</a:t>
+              <a:rPr lang="en-US" sz="2000" dirty="0" err="1" smtClean="0"/>
+              <a:t>Ứng</a:t>
+            </a:r>
+            <a:r>
+              <a:rPr lang="en-US" sz="2000" dirty="0" smtClean="0"/>
+              <a:t> </a:t>
+            </a:r>
+            <a:r>
+              <a:rPr lang="en-US" sz="2000" dirty="0" err="1" smtClean="0"/>
+              <a:t>dụng</a:t>
+            </a:r>
+            <a:r>
+              <a:rPr lang="en-US" sz="2000" dirty="0" smtClean="0"/>
+              <a:t> </a:t>
+            </a:r>
+            <a:r>
+              <a:rPr lang="en-US" sz="2000" dirty="0" err="1" smtClean="0"/>
+              <a:t>các</a:t>
+            </a:r>
+            <a:r>
+              <a:rPr lang="en-US" sz="2000" dirty="0" smtClean="0"/>
+              <a:t> </a:t>
+            </a:r>
+            <a:r>
+              <a:rPr lang="en-US" sz="2000" dirty="0" err="1" smtClean="0"/>
+              <a:t>kỹ</a:t>
+            </a:r>
+            <a:r>
+              <a:rPr lang="en-US" sz="2000" dirty="0" smtClean="0"/>
+              <a:t> </a:t>
+            </a:r>
+            <a:r>
+              <a:rPr lang="en-US" sz="2000" dirty="0" err="1" smtClean="0"/>
+              <a:t>thuật</a:t>
+            </a:r>
+            <a:r>
+              <a:rPr lang="en-US" sz="2000" dirty="0" smtClean="0"/>
+              <a:t> </a:t>
+            </a:r>
+            <a:r>
+              <a:rPr lang="en-US" sz="2000" dirty="0" err="1" smtClean="0"/>
+              <a:t>trừu</a:t>
+            </a:r>
+            <a:r>
+              <a:rPr lang="en-US" sz="2000" dirty="0" smtClean="0"/>
+              <a:t> </a:t>
+            </a:r>
+            <a:r>
+              <a:rPr lang="en-US" sz="2000" dirty="0" err="1" smtClean="0"/>
+              <a:t>tượng</a:t>
+            </a:r>
+            <a:r>
+              <a:rPr lang="en-US" sz="2000" dirty="0" smtClean="0"/>
+              <a:t> </a:t>
+            </a:r>
+            <a:r>
+              <a:rPr lang="en-US" sz="2000" dirty="0" err="1" smtClean="0"/>
+              <a:t>hóa</a:t>
+            </a:r>
+            <a:r>
+              <a:rPr lang="en-US" sz="2000" dirty="0" smtClean="0"/>
+              <a:t> </a:t>
+            </a:r>
+            <a:r>
+              <a:rPr lang="en-US" sz="2000" dirty="0" err="1" smtClean="0"/>
+              <a:t>và</a:t>
+            </a:r>
+            <a:r>
+              <a:rPr lang="en-US" sz="2000" dirty="0" smtClean="0"/>
+              <a:t> </a:t>
+            </a:r>
+            <a:r>
+              <a:rPr lang="en-US" sz="2000" dirty="0" err="1" smtClean="0"/>
+              <a:t>tìm</a:t>
+            </a:r>
+            <a:r>
+              <a:rPr lang="en-US" sz="2000" dirty="0" smtClean="0"/>
+              <a:t> </a:t>
+            </a:r>
+            <a:r>
+              <a:rPr lang="en-US" sz="2000" dirty="0" err="1" smtClean="0"/>
+              <a:t>kiếm</a:t>
+            </a:r>
+            <a:r>
+              <a:rPr lang="en-US" sz="2000" dirty="0" smtClean="0"/>
+              <a:t> trong </a:t>
+            </a:r>
+            <a:r>
+              <a:rPr lang="en-US" sz="2000" dirty="0" err="1" smtClean="0"/>
+              <a:t>kiểm</a:t>
+            </a:r>
+            <a:r>
+              <a:rPr lang="en-US" sz="2000" dirty="0" smtClean="0"/>
+              <a:t> </a:t>
+            </a:r>
+            <a:r>
+              <a:rPr lang="en-US" sz="2000" dirty="0" err="1" smtClean="0"/>
+              <a:t>chứng</a:t>
+            </a:r>
+            <a:r>
+              <a:rPr lang="en-US" sz="2000" dirty="0" smtClean="0"/>
+              <a:t> </a:t>
+            </a:r>
+            <a:r>
+              <a:rPr lang="en-US" sz="2000" dirty="0" err="1" smtClean="0"/>
+              <a:t>phần</a:t>
+            </a:r>
+            <a:r>
+              <a:rPr lang="en-US" sz="2000" dirty="0" smtClean="0"/>
+              <a:t> </a:t>
+            </a:r>
+            <a:r>
+              <a:rPr lang="en-US" sz="2000" dirty="0" err="1" smtClean="0"/>
+              <a:t>mềm</a:t>
             </a:r>
             <a:endParaRPr lang="en-US" sz="2200" dirty="0"/>
           </a:p>
@@ -3642,7 +3754,7 @@
     </p:spTree>
     <p:extLst>
       <p:ext uri="{BB962C8B-B14F-4D97-AF65-F5344CB8AC3E}">
-        <p14:creationId xmlns:p14="http://schemas.microsoft.com/office/powerpoint/2010/main" xmlns="" val="2505687080"/>
+        <p14:creationId xmlns:p14="http://schemas.microsoft.com/office/powerpoint/2010/main" val="2505687080"/>
       </p:ext>
     </p:extLst>
   </p:cSld>
@@ -3917,7 +4029,7 @@
     </p:spTree>
     <p:extLst>
       <p:ext uri="{BB962C8B-B14F-4D97-AF65-F5344CB8AC3E}">
-        <p14:creationId xmlns:p14="http://schemas.microsoft.com/office/powerpoint/2010/main" xmlns="" val="2290358762"/>
+        <p14:creationId xmlns:p14="http://schemas.microsoft.com/office/powerpoint/2010/main" val="2290358762"/>
       </p:ext>
     </p:extLst>
   </p:cSld>
@@ -4455,7 +4567,7 @@
     </p:spTree>
     <p:extLst>
       <p:ext uri="{BB962C8B-B14F-4D97-AF65-F5344CB8AC3E}">
-        <p14:creationId xmlns:p14="http://schemas.microsoft.com/office/powerpoint/2010/main" xmlns="" val="1706071063"/>
+        <p14:creationId xmlns:p14="http://schemas.microsoft.com/office/powerpoint/2010/main" val="1706071063"/>
       </p:ext>
     </p:extLst>
   </p:cSld>
@@ -4589,7 +4701,7 @@
               <a:buNone/>
             </a:pPr>
             <a:r>
-              <a:rPr lang="ja-JP" altLang="en-US" smtClean="0"/>
+              <a:rPr lang="ja-JP" altLang="en-US" dirty="0" smtClean="0"/>
               <a:t>★ </a:t>
             </a:r>
             <a:r>
@@ -4694,12 +4806,261 @@
             </a:r>
             <a:r>
               <a:rPr lang="en-US" dirty="0"/>
-              <a:t>: “Path Testing using Genetic Algorithm</a:t>
-            </a:r>
-            <a:r>
-              <a:rPr lang="en-US" dirty="0" smtClean="0"/>
-              <a:t>”</a:t>
-            </a:r>
+              <a:t>: </a:t>
+            </a:r>
+            <a:endParaRPr lang="en-US" dirty="0" smtClean="0"/>
+          </a:p>
+          <a:p>
+            <a:pPr marL="0" indent="0" algn="just">
+              <a:buNone/>
+            </a:pPr>
+            <a:r>
+              <a:rPr lang="en-US" dirty="0" err="1" smtClean="0"/>
+              <a:t>Tên</a:t>
+            </a:r>
+            <a:r>
+              <a:rPr lang="en-US" dirty="0" smtClean="0"/>
+              <a:t> </a:t>
+            </a:r>
+            <a:r>
+              <a:rPr lang="en-US" dirty="0" err="1" smtClean="0"/>
+              <a:t>cũ</a:t>
+            </a:r>
+            <a:r>
+              <a:rPr lang="en-US" dirty="0" smtClean="0"/>
+              <a:t>: </a:t>
+            </a:r>
+            <a:r>
+              <a:rPr lang="fr-FR" dirty="0" err="1"/>
+              <a:t>Các</a:t>
+            </a:r>
+            <a:r>
+              <a:rPr lang="fr-FR" dirty="0"/>
+              <a:t> </a:t>
+            </a:r>
+            <a:r>
+              <a:rPr lang="fr-FR" dirty="0" err="1"/>
+              <a:t>kỹ</a:t>
+            </a:r>
+            <a:r>
+              <a:rPr lang="fr-FR" dirty="0"/>
+              <a:t> </a:t>
+            </a:r>
+            <a:r>
+              <a:rPr lang="fr-FR" dirty="0" err="1"/>
+              <a:t>thuật</a:t>
+            </a:r>
+            <a:r>
+              <a:rPr lang="fr-FR" dirty="0"/>
+              <a:t> </a:t>
+            </a:r>
+            <a:r>
+              <a:rPr lang="fr-FR" dirty="0" err="1"/>
+              <a:t>trừu</a:t>
+            </a:r>
+            <a:r>
+              <a:rPr lang="fr-FR" dirty="0"/>
+              <a:t> </a:t>
+            </a:r>
+            <a:r>
+              <a:rPr lang="fr-FR" dirty="0" err="1"/>
+              <a:t>tượng</a:t>
+            </a:r>
+            <a:r>
+              <a:rPr lang="fr-FR" dirty="0"/>
+              <a:t> </a:t>
+            </a:r>
+            <a:r>
+              <a:rPr lang="fr-FR" dirty="0" err="1"/>
+              <a:t>hóa</a:t>
+            </a:r>
+            <a:r>
+              <a:rPr lang="fr-FR" dirty="0"/>
+              <a:t> </a:t>
+            </a:r>
+            <a:r>
+              <a:rPr lang="fr-FR" dirty="0" err="1"/>
+              <a:t>chương</a:t>
+            </a:r>
+            <a:r>
+              <a:rPr lang="fr-FR" dirty="0"/>
+              <a:t> </a:t>
+            </a:r>
+            <a:r>
+              <a:rPr lang="fr-FR" dirty="0" err="1"/>
+              <a:t>trình</a:t>
+            </a:r>
+            <a:r>
+              <a:rPr lang="fr-FR" dirty="0"/>
+              <a:t> trong </a:t>
+            </a:r>
+            <a:r>
+              <a:rPr lang="fr-FR" dirty="0" err="1"/>
+              <a:t>kiểm</a:t>
+            </a:r>
+            <a:r>
+              <a:rPr lang="fr-FR" dirty="0"/>
+              <a:t> </a:t>
+            </a:r>
+            <a:r>
+              <a:rPr lang="fr-FR" dirty="0" err="1"/>
+              <a:t>chứng</a:t>
+            </a:r>
+            <a:r>
+              <a:rPr lang="fr-FR" dirty="0"/>
+              <a:t> </a:t>
+            </a:r>
+            <a:r>
+              <a:rPr lang="fr-FR" dirty="0" err="1"/>
+              <a:t>phần</a:t>
+            </a:r>
+            <a:r>
+              <a:rPr lang="fr-FR" dirty="0"/>
+              <a:t> </a:t>
+            </a:r>
+            <a:r>
+              <a:rPr lang="fr-FR" dirty="0" err="1"/>
+              <a:t>mềm</a:t>
+            </a:r>
+            <a:endParaRPr lang="en-US" dirty="0"/>
+          </a:p>
+          <a:p>
+            <a:pPr marL="0" indent="0" algn="just">
+              <a:buNone/>
+            </a:pPr>
+            <a:r>
+              <a:rPr lang="en-US" dirty="0" err="1" smtClean="0"/>
+              <a:t>Tên</a:t>
+            </a:r>
+            <a:r>
+              <a:rPr lang="en-US" dirty="0" smtClean="0"/>
+              <a:t> </a:t>
+            </a:r>
+            <a:r>
+              <a:rPr lang="en-US" dirty="0" err="1" smtClean="0"/>
+              <a:t>mới</a:t>
+            </a:r>
+            <a:r>
+              <a:rPr lang="en-US" dirty="0"/>
+              <a:t>: </a:t>
+            </a:r>
+            <a:r>
+              <a:rPr lang="en-US" dirty="0" err="1"/>
+              <a:t>Ứng</a:t>
+            </a:r>
+            <a:r>
+              <a:rPr lang="en-US" dirty="0"/>
+              <a:t> </a:t>
+            </a:r>
+            <a:r>
+              <a:rPr lang="en-US" dirty="0" err="1"/>
+              <a:t>dụng</a:t>
+            </a:r>
+            <a:r>
+              <a:rPr lang="en-US" dirty="0"/>
+              <a:t> </a:t>
+            </a:r>
+            <a:r>
+              <a:rPr lang="en-US" dirty="0" err="1"/>
+              <a:t>các</a:t>
+            </a:r>
+            <a:r>
+              <a:rPr lang="en-US" dirty="0"/>
+              <a:t> </a:t>
+            </a:r>
+            <a:r>
+              <a:rPr lang="en-US" dirty="0" err="1"/>
+              <a:t>kỹ</a:t>
+            </a:r>
+            <a:r>
+              <a:rPr lang="en-US" dirty="0"/>
+              <a:t> </a:t>
+            </a:r>
+            <a:r>
+              <a:rPr lang="en-US" dirty="0" err="1"/>
+              <a:t>thuật</a:t>
+            </a:r>
+            <a:r>
+              <a:rPr lang="en-US" dirty="0"/>
+              <a:t> </a:t>
+            </a:r>
+            <a:r>
+              <a:rPr lang="en-US" dirty="0" err="1"/>
+              <a:t>trừu</a:t>
+            </a:r>
+            <a:r>
+              <a:rPr lang="en-US" dirty="0"/>
+              <a:t> </a:t>
+            </a:r>
+            <a:r>
+              <a:rPr lang="en-US" dirty="0" err="1"/>
+              <a:t>tượng</a:t>
+            </a:r>
+            <a:r>
+              <a:rPr lang="en-US" dirty="0"/>
+              <a:t> </a:t>
+            </a:r>
+            <a:r>
+              <a:rPr lang="en-US" dirty="0" err="1"/>
+              <a:t>hóa</a:t>
+            </a:r>
+            <a:r>
+              <a:rPr lang="en-US" dirty="0"/>
+              <a:t> </a:t>
+            </a:r>
+            <a:r>
+              <a:rPr lang="en-US" dirty="0" err="1"/>
+              <a:t>và</a:t>
+            </a:r>
+            <a:r>
+              <a:rPr lang="en-US" dirty="0"/>
+              <a:t> </a:t>
+            </a:r>
+            <a:r>
+              <a:rPr lang="en-US" dirty="0" err="1"/>
+              <a:t>tìm</a:t>
+            </a:r>
+            <a:r>
+              <a:rPr lang="en-US" dirty="0"/>
+              <a:t> </a:t>
+            </a:r>
+            <a:r>
+              <a:rPr lang="en-US" dirty="0" err="1"/>
+              <a:t>kiếm</a:t>
+            </a:r>
+            <a:r>
+              <a:rPr lang="en-US" dirty="0"/>
+              <a:t> trong </a:t>
+            </a:r>
+            <a:r>
+              <a:rPr lang="en-US" dirty="0" err="1"/>
+              <a:t>kiểm</a:t>
+            </a:r>
+            <a:r>
+              <a:rPr lang="en-US" dirty="0"/>
+              <a:t> </a:t>
+            </a:r>
+            <a:r>
+              <a:rPr lang="en-US" dirty="0" err="1"/>
+              <a:t>chứng</a:t>
+            </a:r>
+            <a:r>
+              <a:rPr lang="en-US" dirty="0"/>
+              <a:t> </a:t>
+            </a:r>
+            <a:r>
+              <a:rPr lang="en-US" dirty="0" err="1"/>
+              <a:t>phần</a:t>
+            </a:r>
+            <a:r>
+              <a:rPr lang="en-US" dirty="0"/>
+              <a:t> </a:t>
+            </a:r>
+            <a:r>
+              <a:rPr lang="en-US" dirty="0" err="1" smtClean="0"/>
+              <a:t>mềm</a:t>
+            </a:r>
+            <a:endParaRPr lang="en-US" dirty="0" smtClean="0"/>
           </a:p>
           <a:p>
             <a:pPr marL="0" indent="0" algn="just">
@@ -4712,11 +5073,11 @@
               <a:buNone/>
             </a:pPr>
             <a:r>
-              <a:rPr lang="ja-JP" altLang="en-US" smtClean="0"/>
+              <a:rPr lang="ja-JP" altLang="en-US" dirty="0" smtClean="0"/>
               <a:t>★ </a:t>
             </a:r>
             <a:r>
-              <a:rPr lang="en-US" smtClean="0"/>
+              <a:rPr lang="en-US" dirty="0" err="1" smtClean="0"/>
               <a:t>Đã</a:t>
             </a:r>
             <a:r>
@@ -4741,11 +5102,11 @@
             </a:r>
             <a:r>
               <a:rPr lang="en-US" dirty="0" err="1" smtClean="0"/>
-              <a:t>các</a:t>
-            </a:r>
-            <a:r>
-              <a:rPr lang="en-US" dirty="0" smtClean="0"/>
-              <a:t> </a:t>
+              <a:t>báo</a:t>
+            </a:r>
+            <a:r>
+              <a:rPr lang="en-US" dirty="0" smtClean="0"/>
+              <a:t> cáo 2 </a:t>
             </a:r>
             <a:r>
               <a:rPr lang="en-US" dirty="0" err="1" smtClean="0"/>
@@ -4761,8 +5122,17 @@
             </a:r>
             <a:r>
               <a:rPr lang="en-US" dirty="0" smtClean="0"/>
-              <a:t> của NCS:</a:t>
-            </a:r>
+              <a:t> của </a:t>
+            </a:r>
+            <a:r>
+              <a:rPr lang="en-US" dirty="0" err="1" smtClean="0"/>
+              <a:t>NCS</a:t>
+            </a:r>
+            <a:r>
+              <a:rPr lang="en-US" dirty="0" smtClean="0"/>
+              <a:t>:</a:t>
+            </a:r>
+            <a:endParaRPr lang="en-US" dirty="0" smtClean="0"/>
           </a:p>
           <a:p>
             <a:pPr marL="457200" indent="-457200" algn="just">
@@ -4798,7 +5168,7 @@
     </p:spTree>
     <p:extLst>
       <p:ext uri="{BB962C8B-B14F-4D97-AF65-F5344CB8AC3E}">
-        <p14:creationId xmlns:p14="http://schemas.microsoft.com/office/powerpoint/2010/main" xmlns="" val="4262241308"/>
+        <p14:creationId xmlns:p14="http://schemas.microsoft.com/office/powerpoint/2010/main" val="4262241308"/>
       </p:ext>
     </p:extLst>
   </p:cSld>
@@ -4899,7 +5269,7 @@
         <p:spPr>
           <a:xfrm>
             <a:off x="457200" y="1600200"/>
-            <a:ext cx="8229600" cy="3276600"/>
+            <a:ext cx="8229600" cy="4267200"/>
           </a:xfrm>
         </p:spPr>
         <p:txBody>
@@ -4949,20 +5319,45 @@
             </a:r>
             <a:r>
               <a:rPr lang="en-US" dirty="0" err="1" smtClean="0"/>
+              <a:t>hội</a:t>
+            </a:r>
+            <a:r>
+              <a:rPr lang="en-US" dirty="0" smtClean="0"/>
+              <a:t> </a:t>
+            </a:r>
+            <a:r>
+              <a:rPr lang="en-US" dirty="0" err="1" smtClean="0"/>
+              <a:t>nghị</a:t>
+            </a:r>
+            <a:r>
+              <a:rPr lang="en-US" dirty="0" smtClean="0"/>
+              <a:t> </a:t>
+            </a:r>
+            <a:r>
+              <a:rPr lang="en-US" dirty="0" err="1" smtClean="0"/>
               <a:t>ACOMP</a:t>
             </a:r>
             <a:r>
               <a:rPr lang="en-US" dirty="0" smtClean="0"/>
-              <a:t> </a:t>
-            </a:r>
-            <a:r>
-              <a:rPr lang="en-US" dirty="0"/>
-              <a:t>2016 </a:t>
-            </a:r>
-            <a:r>
-              <a:rPr lang="en-US" dirty="0" smtClean="0"/>
-              <a:t>Conference.</a:t>
-            </a:r>
+              <a:t> 2016 ở </a:t>
+            </a:r>
+            <a:r>
+              <a:rPr lang="en-US" dirty="0" err="1" smtClean="0"/>
+              <a:t>Cần</a:t>
+            </a:r>
+            <a:r>
+              <a:rPr lang="en-US" dirty="0" smtClean="0"/>
+              <a:t> </a:t>
+            </a:r>
+            <a:r>
+              <a:rPr lang="en-US" dirty="0" err="1" smtClean="0"/>
+              <a:t>Thơ</a:t>
+            </a:r>
+            <a:r>
+              <a:rPr lang="en-US" dirty="0" smtClean="0"/>
+              <a:t> 23~25/11/2016.</a:t>
+            </a:r>
+            <a:endParaRPr lang="en-US" dirty="0" smtClean="0"/>
           </a:p>
           <a:p>
             <a:pPr marL="0" indent="0" algn="just">
@@ -4984,7 +5379,11 @@
             </a:r>
             <a:r>
               <a:rPr lang="en-US" dirty="0" smtClean="0"/>
-              <a:t> submit paper “” </a:t>
+              <a:t> submit paper </a:t>
+            </a:r>
+            <a:r>
+              <a:rPr lang="en-US" dirty="0"/>
+              <a:t>“Genetic Algorithm-based Test Data Generator using Constraint Solver” </a:t>
             </a:r>
             <a:r>
               <a:rPr lang="en-US" dirty="0" err="1" smtClean="0"/>
@@ -4994,13 +5393,63 @@
               <a:rPr lang="en-US" dirty="0" smtClean="0"/>
               <a:t> </a:t>
             </a:r>
+            <a:r>
+              <a:rPr lang="en-US" dirty="0" err="1" smtClean="0"/>
+              <a:t>SoICT</a:t>
+            </a:r>
+            <a:r>
+              <a:rPr lang="en-US" dirty="0" smtClean="0"/>
+              <a:t> 2016</a:t>
+            </a:r>
+          </a:p>
+          <a:p>
+            <a:pPr marL="0" indent="0" algn="just">
+              <a:buNone/>
+            </a:pPr>
+            <a:endParaRPr lang="en-US" dirty="0"/>
+          </a:p>
+          <a:p>
+            <a:pPr marL="0" indent="0" algn="just">
+              <a:buNone/>
+            </a:pPr>
+            <a:r>
+              <a:rPr lang="en-US" dirty="0" smtClean="0"/>
+              <a:t>3, </a:t>
+            </a:r>
+            <a:r>
+              <a:rPr lang="en-US" dirty="0" err="1"/>
+              <a:t>Đã</a:t>
+            </a:r>
+            <a:r>
+              <a:rPr lang="en-US" dirty="0"/>
+              <a:t> submit paper </a:t>
+            </a:r>
+            <a:r>
+              <a:rPr lang="en-US" dirty="0" smtClean="0"/>
+              <a:t>“” </a:t>
+            </a:r>
+            <a:r>
+              <a:rPr lang="en-US" dirty="0" err="1" smtClean="0"/>
+              <a:t>tại</a:t>
+            </a:r>
+            <a:r>
+              <a:rPr lang="en-US" dirty="0" smtClean="0"/>
+              <a:t> </a:t>
+            </a:r>
+            <a:endParaRPr lang="en-US" dirty="0"/>
+          </a:p>
+          <a:p>
+            <a:pPr marL="0" indent="0" algn="just">
+              <a:buNone/>
+            </a:pPr>
+            <a:endParaRPr lang="en-US" dirty="0" smtClean="0"/>
           </a:p>
         </p:txBody>
       </p:sp>
     </p:spTree>
     <p:extLst>
       <p:ext uri="{BB962C8B-B14F-4D97-AF65-F5344CB8AC3E}">
-        <p14:creationId xmlns:p14="http://schemas.microsoft.com/office/powerpoint/2010/main" xmlns="" val="486911666"/>
+        <p14:creationId xmlns:p14="http://schemas.microsoft.com/office/powerpoint/2010/main" val="486911666"/>
       </p:ext>
     </p:extLst>
   </p:cSld>
@@ -5235,7 +5684,7 @@
     </p:spTree>
     <p:extLst>
       <p:ext uri="{BB962C8B-B14F-4D97-AF65-F5344CB8AC3E}">
-        <p14:creationId xmlns:p14="http://schemas.microsoft.com/office/powerpoint/2010/main" xmlns="" val="3136962569"/>
+        <p14:creationId xmlns:p14="http://schemas.microsoft.com/office/powerpoint/2010/main" val="3136962569"/>
       </p:ext>
     </p:extLst>
   </p:cSld>
@@ -5366,7 +5815,7 @@
     </p:spTree>
     <p:extLst>
       <p:ext uri="{BB962C8B-B14F-4D97-AF65-F5344CB8AC3E}">
-        <p14:creationId xmlns:p14="http://schemas.microsoft.com/office/powerpoint/2010/main" xmlns="" val="1441455490"/>
+        <p14:creationId xmlns:p14="http://schemas.microsoft.com/office/powerpoint/2010/main" val="1441455490"/>
       </p:ext>
     </p:extLst>
   </p:cSld>

--- a/CFT4CUnitSrc/src/report/DinhNgocThi-Baocaotiendo201612.pptx
+++ b/CFT4CUnitSrc/src/report/DinhNgocThi-Baocaotiendo201612.pptx
@@ -302,7 +302,7 @@
             <a:fld id="{303881E0-EDA0-4CAA-BDE9-D54759E7AE67}" type="datetimeFigureOut">
               <a:rPr lang="en-US" smtClean="0"/>
               <a:pPr/>
-              <a:t>8/31/2016</a:t>
+              <a:t>9/4/2016</a:t>
             </a:fld>
             <a:endParaRPr lang="en-US"/>
           </a:p>
@@ -504,7 +504,7 @@
             <a:fld id="{303881E0-EDA0-4CAA-BDE9-D54759E7AE67}" type="datetimeFigureOut">
               <a:rPr lang="en-US" smtClean="0"/>
               <a:pPr/>
-              <a:t>8/31/2016</a:t>
+              <a:t>9/4/2016</a:t>
             </a:fld>
             <a:endParaRPr lang="en-US"/>
           </a:p>
@@ -681,7 +681,7 @@
             <a:fld id="{303881E0-EDA0-4CAA-BDE9-D54759E7AE67}" type="datetimeFigureOut">
               <a:rPr lang="en-US" smtClean="0"/>
               <a:pPr/>
-              <a:t>8/31/2016</a:t>
+              <a:t>9/4/2016</a:t>
             </a:fld>
             <a:endParaRPr lang="en-US"/>
           </a:p>
@@ -848,7 +848,7 @@
             <a:fld id="{303881E0-EDA0-4CAA-BDE9-D54759E7AE67}" type="datetimeFigureOut">
               <a:rPr lang="en-US" smtClean="0"/>
               <a:pPr/>
-              <a:t>8/31/2016</a:t>
+              <a:t>9/4/2016</a:t>
             </a:fld>
             <a:endParaRPr lang="en-US"/>
           </a:p>
@@ -1098,7 +1098,7 @@
             <a:fld id="{303881E0-EDA0-4CAA-BDE9-D54759E7AE67}" type="datetimeFigureOut">
               <a:rPr lang="en-US" smtClean="0"/>
               <a:pPr/>
-              <a:t>8/31/2016</a:t>
+              <a:t>9/4/2016</a:t>
             </a:fld>
             <a:endParaRPr lang="en-US"/>
           </a:p>
@@ -1418,7 +1418,7 @@
             <a:fld id="{303881E0-EDA0-4CAA-BDE9-D54759E7AE67}" type="datetimeFigureOut">
               <a:rPr lang="en-US" smtClean="0"/>
               <a:pPr/>
-              <a:t>8/31/2016</a:t>
+              <a:t>9/4/2016</a:t>
             </a:fld>
             <a:endParaRPr lang="en-US"/>
           </a:p>
@@ -1886,7 +1886,7 @@
             <a:fld id="{303881E0-EDA0-4CAA-BDE9-D54759E7AE67}" type="datetimeFigureOut">
               <a:rPr lang="en-US" smtClean="0"/>
               <a:pPr/>
-              <a:t>8/31/2016</a:t>
+              <a:t>9/4/2016</a:t>
             </a:fld>
             <a:endParaRPr lang="en-US"/>
           </a:p>
@@ -2036,7 +2036,7 @@
             <a:fld id="{303881E0-EDA0-4CAA-BDE9-D54759E7AE67}" type="datetimeFigureOut">
               <a:rPr lang="en-US" smtClean="0"/>
               <a:pPr/>
-              <a:t>8/31/2016</a:t>
+              <a:t>9/4/2016</a:t>
             </a:fld>
             <a:endParaRPr lang="en-US"/>
           </a:p>
@@ -2128,7 +2128,7 @@
             <a:fld id="{303881E0-EDA0-4CAA-BDE9-D54759E7AE67}" type="datetimeFigureOut">
               <a:rPr lang="en-US" smtClean="0"/>
               <a:pPr/>
-              <a:t>8/31/2016</a:t>
+              <a:t>9/4/2016</a:t>
             </a:fld>
             <a:endParaRPr lang="en-US"/>
           </a:p>
@@ -2404,7 +2404,7 @@
             <a:fld id="{303881E0-EDA0-4CAA-BDE9-D54759E7AE67}" type="datetimeFigureOut">
               <a:rPr lang="en-US" smtClean="0"/>
               <a:pPr/>
-              <a:t>8/31/2016</a:t>
+              <a:t>9/4/2016</a:t>
             </a:fld>
             <a:endParaRPr lang="en-US"/>
           </a:p>
@@ -2711,7 +2711,7 @@
             <a:fld id="{303881E0-EDA0-4CAA-BDE9-D54759E7AE67}" type="datetimeFigureOut">
               <a:rPr lang="en-US" smtClean="0"/>
               <a:pPr/>
-              <a:t>8/31/2016</a:t>
+              <a:t>9/4/2016</a:t>
             </a:fld>
             <a:endParaRPr lang="en-US"/>
           </a:p>
@@ -3011,7 +3011,7 @@
             <a:fld id="{303881E0-EDA0-4CAA-BDE9-D54759E7AE67}" type="datetimeFigureOut">
               <a:rPr lang="en-US" smtClean="0"/>
               <a:pPr/>
-              <a:t>8/31/2016</a:t>
+              <a:t>9/4/2016</a:t>
             </a:fld>
             <a:endParaRPr lang="en-US"/>
           </a:p>
@@ -3754,7 +3754,7 @@
     </p:spTree>
     <p:extLst>
       <p:ext uri="{BB962C8B-B14F-4D97-AF65-F5344CB8AC3E}">
-        <p14:creationId xmlns:p14="http://schemas.microsoft.com/office/powerpoint/2010/main" val="2505687080"/>
+        <p14:creationId xmlns:p14="http://schemas.microsoft.com/office/powerpoint/2010/main" xmlns="" val="2505687080"/>
       </p:ext>
     </p:extLst>
   </p:cSld>
@@ -4029,7 +4029,7 @@
     </p:spTree>
     <p:extLst>
       <p:ext uri="{BB962C8B-B14F-4D97-AF65-F5344CB8AC3E}">
-        <p14:creationId xmlns:p14="http://schemas.microsoft.com/office/powerpoint/2010/main" val="2290358762"/>
+        <p14:creationId xmlns:p14="http://schemas.microsoft.com/office/powerpoint/2010/main" xmlns="" val="2290358762"/>
       </p:ext>
     </p:extLst>
   </p:cSld>
@@ -4567,7 +4567,7 @@
     </p:spTree>
     <p:extLst>
       <p:ext uri="{BB962C8B-B14F-4D97-AF65-F5344CB8AC3E}">
-        <p14:creationId xmlns:p14="http://schemas.microsoft.com/office/powerpoint/2010/main" val="1706071063"/>
+        <p14:creationId xmlns:p14="http://schemas.microsoft.com/office/powerpoint/2010/main" xmlns="" val="1706071063"/>
       </p:ext>
     </p:extLst>
   </p:cSld>
@@ -5132,7 +5132,6 @@
               <a:rPr lang="en-US" dirty="0" smtClean="0"/>
               <a:t>:</a:t>
             </a:r>
-            <a:endParaRPr lang="en-US" dirty="0" smtClean="0"/>
           </a:p>
           <a:p>
             <a:pPr marL="457200" indent="-457200" algn="just">
@@ -5168,7 +5167,7 @@
     </p:spTree>
     <p:extLst>
       <p:ext uri="{BB962C8B-B14F-4D97-AF65-F5344CB8AC3E}">
-        <p14:creationId xmlns:p14="http://schemas.microsoft.com/office/powerpoint/2010/main" val="4262241308"/>
+        <p14:creationId xmlns:p14="http://schemas.microsoft.com/office/powerpoint/2010/main" xmlns="" val="4262241308"/>
       </p:ext>
     </p:extLst>
   </p:cSld>
@@ -5295,19 +5294,43 @@
             </a:r>
             <a:r>
               <a:rPr lang="en-US" dirty="0" err="1" smtClean="0"/>
+              <a:t>có</a:t>
+            </a:r>
+            <a:r>
+              <a:rPr lang="en-US" dirty="0" smtClean="0"/>
+              <a:t> paper </a:t>
+            </a:r>
+            <a:r>
+              <a:rPr lang="en-US" dirty="0" smtClean="0"/>
+              <a:t>“</a:t>
+            </a:r>
+            <a:r>
+              <a:rPr lang="en-US" dirty="0"/>
+              <a:t>A Technique for Generating Test Data </a:t>
+            </a:r>
+            <a:r>
+              <a:rPr lang="en-US" dirty="0" smtClean="0"/>
+              <a:t>using</a:t>
+            </a:r>
+            <a:r>
+              <a:rPr lang="en-US" dirty="0"/>
+              <a:t> </a:t>
+            </a:r>
+            <a:r>
+              <a:rPr lang="en-US" dirty="0" smtClean="0"/>
+              <a:t>Genetic </a:t>
+            </a:r>
+            <a:r>
+              <a:rPr lang="en-US" dirty="0" smtClean="0"/>
+              <a:t>Algorithms” </a:t>
+            </a:r>
+            <a:r>
+              <a:rPr lang="en-US" dirty="0" err="1" smtClean="0"/>
               <a:t>được</a:t>
             </a:r>
             <a:r>
               <a:rPr lang="en-US" dirty="0" smtClean="0"/>
-              <a:t> accepted paper “</a:t>
-            </a:r>
-            <a:r>
-              <a:rPr lang="en-US" dirty="0"/>
-              <a:t>A Technique for Generating Test Data using  Genetic </a:t>
-            </a:r>
-            <a:r>
-              <a:rPr lang="en-US" dirty="0" smtClean="0"/>
-              <a:t>Algorithms” </a:t>
+              <a:t> accepted </a:t>
             </a:r>
             <a:r>
               <a:rPr lang="en-US" dirty="0" err="1" smtClean="0"/>
@@ -5357,7 +5380,6 @@
               <a:rPr lang="en-US" dirty="0" smtClean="0"/>
               <a:t> 23~25/11/2016.</a:t>
             </a:r>
-            <a:endParaRPr lang="en-US" dirty="0" smtClean="0"/>
           </a:p>
           <a:p>
             <a:pPr marL="0" indent="0" algn="just">
@@ -5449,7 +5471,7 @@
     </p:spTree>
     <p:extLst>
       <p:ext uri="{BB962C8B-B14F-4D97-AF65-F5344CB8AC3E}">
-        <p14:creationId xmlns:p14="http://schemas.microsoft.com/office/powerpoint/2010/main" val="486911666"/>
+        <p14:creationId xmlns:p14="http://schemas.microsoft.com/office/powerpoint/2010/main" xmlns="" val="486911666"/>
       </p:ext>
     </p:extLst>
   </p:cSld>
@@ -5596,11 +5618,11 @@
             </a:r>
             <a:r>
               <a:rPr lang="en-US" dirty="0" err="1" smtClean="0"/>
-              <a:t>ICTA</a:t>
-            </a:r>
-            <a:r>
-              <a:rPr lang="en-US" dirty="0" smtClean="0"/>
-              <a:t> 2016, </a:t>
+              <a:t>SoICT2016</a:t>
+            </a:r>
+            <a:r>
+              <a:rPr lang="en-US" dirty="0" smtClean="0"/>
+              <a:t>, </a:t>
             </a:r>
             <a:r>
               <a:rPr lang="en-US" dirty="0"/>
@@ -5615,7 +5637,7 @@
               <a:t>năm</a:t>
             </a:r>
             <a:r>
-              <a:rPr lang="en-US" smtClean="0"/>
+              <a:rPr lang="en-US" dirty="0" smtClean="0"/>
               <a:t> 2017 </a:t>
             </a:r>
             <a:r>
@@ -5640,7 +5662,11 @@
             </a:r>
             <a:r>
               <a:rPr lang="en-US" dirty="0" smtClean="0"/>
-              <a:t> 2 paper </a:t>
+              <a:t> 2 </a:t>
+            </a:r>
+            <a:r>
+              <a:rPr lang="en-US" dirty="0" smtClean="0"/>
+              <a:t>papers </a:t>
             </a:r>
             <a:r>
               <a:rPr lang="en-US" dirty="0" err="1" smtClean="0"/>
@@ -5656,7 +5682,15 @@
             </a:r>
             <a:r>
               <a:rPr lang="en-US" dirty="0" smtClean="0"/>
-              <a:t> genetic algorithm </a:t>
+              <a:t> </a:t>
+            </a:r>
+            <a:r>
+              <a:rPr lang="en-US" dirty="0" smtClean="0"/>
+              <a:t>“genetic </a:t>
+            </a:r>
+            <a:r>
+              <a:rPr lang="en-US" dirty="0" smtClean="0"/>
+              <a:t>algorithm </a:t>
             </a:r>
             <a:r>
               <a:rPr lang="en-US" dirty="0"/>
@@ -5664,8 +5698,9 @@
             </a:r>
             <a:r>
               <a:rPr lang="en-US" dirty="0" smtClean="0"/>
-              <a:t>program.</a:t>
-            </a:r>
+              <a:t>program under test”.</a:t>
+            </a:r>
+            <a:endParaRPr lang="en-US" dirty="0" smtClean="0"/>
           </a:p>
           <a:p>
             <a:pPr marL="0" indent="0" algn="just">
@@ -5684,7 +5719,7 @@
     </p:spTree>
     <p:extLst>
       <p:ext uri="{BB962C8B-B14F-4D97-AF65-F5344CB8AC3E}">
-        <p14:creationId xmlns:p14="http://schemas.microsoft.com/office/powerpoint/2010/main" val="3136962569"/>
+        <p14:creationId xmlns:p14="http://schemas.microsoft.com/office/powerpoint/2010/main" xmlns="" val="3136962569"/>
       </p:ext>
     </p:extLst>
   </p:cSld>
@@ -5815,7 +5850,7 @@
     </p:spTree>
     <p:extLst>
       <p:ext uri="{BB962C8B-B14F-4D97-AF65-F5344CB8AC3E}">
-        <p14:creationId xmlns:p14="http://schemas.microsoft.com/office/powerpoint/2010/main" val="1441455490"/>
+        <p14:creationId xmlns:p14="http://schemas.microsoft.com/office/powerpoint/2010/main" xmlns="" val="1441455490"/>
       </p:ext>
     </p:extLst>
   </p:cSld>

--- a/CFT4CUnitSrc/src/report/DinhNgocThi-Baocaotiendo201612.pptx
+++ b/CFT4CUnitSrc/src/report/DinhNgocThi-Baocaotiendo201612.pptx
@@ -302,7 +302,7 @@
             <a:fld id="{303881E0-EDA0-4CAA-BDE9-D54759E7AE67}" type="datetimeFigureOut">
               <a:rPr lang="en-US" smtClean="0"/>
               <a:pPr/>
-              <a:t>9/4/2016</a:t>
+              <a:t>12/4/2016</a:t>
             </a:fld>
             <a:endParaRPr lang="en-US"/>
           </a:p>
@@ -504,7 +504,7 @@
             <a:fld id="{303881E0-EDA0-4CAA-BDE9-D54759E7AE67}" type="datetimeFigureOut">
               <a:rPr lang="en-US" smtClean="0"/>
               <a:pPr/>
-              <a:t>9/4/2016</a:t>
+              <a:t>12/4/2016</a:t>
             </a:fld>
             <a:endParaRPr lang="en-US"/>
           </a:p>
@@ -681,7 +681,7 @@
             <a:fld id="{303881E0-EDA0-4CAA-BDE9-D54759E7AE67}" type="datetimeFigureOut">
               <a:rPr lang="en-US" smtClean="0"/>
               <a:pPr/>
-              <a:t>9/4/2016</a:t>
+              <a:t>12/4/2016</a:t>
             </a:fld>
             <a:endParaRPr lang="en-US"/>
           </a:p>
@@ -848,7 +848,7 @@
             <a:fld id="{303881E0-EDA0-4CAA-BDE9-D54759E7AE67}" type="datetimeFigureOut">
               <a:rPr lang="en-US" smtClean="0"/>
               <a:pPr/>
-              <a:t>9/4/2016</a:t>
+              <a:t>12/4/2016</a:t>
             </a:fld>
             <a:endParaRPr lang="en-US"/>
           </a:p>
@@ -1098,7 +1098,7 @@
             <a:fld id="{303881E0-EDA0-4CAA-BDE9-D54759E7AE67}" type="datetimeFigureOut">
               <a:rPr lang="en-US" smtClean="0"/>
               <a:pPr/>
-              <a:t>9/4/2016</a:t>
+              <a:t>12/4/2016</a:t>
             </a:fld>
             <a:endParaRPr lang="en-US"/>
           </a:p>
@@ -1418,7 +1418,7 @@
             <a:fld id="{303881E0-EDA0-4CAA-BDE9-D54759E7AE67}" type="datetimeFigureOut">
               <a:rPr lang="en-US" smtClean="0"/>
               <a:pPr/>
-              <a:t>9/4/2016</a:t>
+              <a:t>12/4/2016</a:t>
             </a:fld>
             <a:endParaRPr lang="en-US"/>
           </a:p>
@@ -1886,7 +1886,7 @@
             <a:fld id="{303881E0-EDA0-4CAA-BDE9-D54759E7AE67}" type="datetimeFigureOut">
               <a:rPr lang="en-US" smtClean="0"/>
               <a:pPr/>
-              <a:t>9/4/2016</a:t>
+              <a:t>12/4/2016</a:t>
             </a:fld>
             <a:endParaRPr lang="en-US"/>
           </a:p>
@@ -2036,7 +2036,7 @@
             <a:fld id="{303881E0-EDA0-4CAA-BDE9-D54759E7AE67}" type="datetimeFigureOut">
               <a:rPr lang="en-US" smtClean="0"/>
               <a:pPr/>
-              <a:t>9/4/2016</a:t>
+              <a:t>12/4/2016</a:t>
             </a:fld>
             <a:endParaRPr lang="en-US"/>
           </a:p>
@@ -2128,7 +2128,7 @@
             <a:fld id="{303881E0-EDA0-4CAA-BDE9-D54759E7AE67}" type="datetimeFigureOut">
               <a:rPr lang="en-US" smtClean="0"/>
               <a:pPr/>
-              <a:t>9/4/2016</a:t>
+              <a:t>12/4/2016</a:t>
             </a:fld>
             <a:endParaRPr lang="en-US"/>
           </a:p>
@@ -2404,7 +2404,7 @@
             <a:fld id="{303881E0-EDA0-4CAA-BDE9-D54759E7AE67}" type="datetimeFigureOut">
               <a:rPr lang="en-US" smtClean="0"/>
               <a:pPr/>
-              <a:t>9/4/2016</a:t>
+              <a:t>12/4/2016</a:t>
             </a:fld>
             <a:endParaRPr lang="en-US"/>
           </a:p>
@@ -2711,7 +2711,7 @@
             <a:fld id="{303881E0-EDA0-4CAA-BDE9-D54759E7AE67}" type="datetimeFigureOut">
               <a:rPr lang="en-US" smtClean="0"/>
               <a:pPr/>
-              <a:t>9/4/2016</a:t>
+              <a:t>12/4/2016</a:t>
             </a:fld>
             <a:endParaRPr lang="en-US"/>
           </a:p>
@@ -3011,7 +3011,7 @@
             <a:fld id="{303881E0-EDA0-4CAA-BDE9-D54759E7AE67}" type="datetimeFigureOut">
               <a:rPr lang="en-US" smtClean="0"/>
               <a:pPr/>
-              <a:t>9/4/2016</a:t>
+              <a:t>12/4/2016</a:t>
             </a:fld>
             <a:endParaRPr lang="en-US"/>
           </a:p>
@@ -4690,7 +4690,7 @@
         <p:spPr>
           <a:xfrm>
             <a:off x="457200" y="1600200"/>
-            <a:ext cx="8229600" cy="4648200"/>
+            <a:ext cx="8229600" cy="4114800"/>
           </a:xfrm>
         </p:spPr>
         <p:txBody>
@@ -5073,12 +5073,61 @@
               <a:buNone/>
             </a:pPr>
             <a:r>
-              <a:rPr lang="ja-JP" altLang="en-US" dirty="0" smtClean="0"/>
+              <a:rPr lang="ja-JP" altLang="en-US" smtClean="0"/>
               <a:t>★ </a:t>
             </a:r>
             <a:r>
-              <a:rPr lang="en-US" dirty="0" err="1" smtClean="0"/>
-              <a:t>Đã</a:t>
+              <a:rPr lang="en-US" altLang="ja-JP" dirty="0" err="1" smtClean="0"/>
+              <a:t>T</a:t>
+            </a:r>
+            <a:r>
+              <a:rPr lang="en-US" dirty="0" err="1" smtClean="0"/>
+              <a:t>hực</a:t>
+            </a:r>
+            <a:r>
+              <a:rPr lang="en-US" dirty="0" smtClean="0"/>
+              <a:t> </a:t>
+            </a:r>
+            <a:r>
+              <a:rPr lang="en-US" dirty="0" err="1" smtClean="0"/>
+              <a:t>hiện</a:t>
+            </a:r>
+            <a:r>
+              <a:rPr lang="en-US" dirty="0" smtClean="0"/>
+              <a:t> </a:t>
+            </a:r>
+            <a:r>
+              <a:rPr lang="en-US" dirty="0" err="1" smtClean="0"/>
+              <a:t>báo</a:t>
+            </a:r>
+            <a:r>
+              <a:rPr lang="en-US" dirty="0" smtClean="0"/>
+              <a:t> cáo 2 </a:t>
+            </a:r>
+            <a:r>
+              <a:rPr lang="en-US" dirty="0" err="1" smtClean="0"/>
+              <a:t>chuyên</a:t>
+            </a:r>
+            <a:r>
+              <a:rPr lang="en-US" dirty="0" smtClean="0"/>
+              <a:t> </a:t>
+            </a:r>
+            <a:r>
+              <a:rPr lang="en-US" dirty="0" err="1" smtClean="0"/>
+              <a:t>đề</a:t>
+            </a:r>
+            <a:r>
+              <a:rPr lang="en-US" dirty="0" smtClean="0"/>
+              <a:t> của NCS:</a:t>
+            </a:r>
+          </a:p>
+          <a:p>
+            <a:pPr marL="457200" indent="-457200" algn="just">
+              <a:buNone/>
+            </a:pPr>
+            <a:r>
+              <a:rPr lang="en-US" dirty="0" err="1" smtClean="0"/>
+              <a:t>Chưa</a:t>
             </a:r>
             <a:r>
               <a:rPr lang="en-US" dirty="0" smtClean="0"/>
@@ -5098,69 +5147,15 @@
             </a:r>
             <a:r>
               <a:rPr lang="en-US" dirty="0" smtClean="0"/>
-              <a:t> </a:t>
-            </a:r>
-            <a:r>
-              <a:rPr lang="en-US" dirty="0" err="1" smtClean="0"/>
-              <a:t>báo</a:t>
-            </a:r>
-            <a:r>
-              <a:rPr lang="en-US" dirty="0" smtClean="0"/>
-              <a:t> cáo 2 </a:t>
-            </a:r>
-            <a:r>
-              <a:rPr lang="en-US" dirty="0" err="1" smtClean="0"/>
-              <a:t>chuyên</a:t>
-            </a:r>
-            <a:r>
-              <a:rPr lang="en-US" dirty="0" smtClean="0"/>
-              <a:t> </a:t>
-            </a:r>
-            <a:r>
-              <a:rPr lang="en-US" dirty="0" err="1" smtClean="0"/>
-              <a:t>đề</a:t>
-            </a:r>
-            <a:r>
-              <a:rPr lang="en-US" dirty="0" smtClean="0"/>
-              <a:t> của </a:t>
-            </a:r>
-            <a:r>
-              <a:rPr lang="en-US" dirty="0" err="1" smtClean="0"/>
-              <a:t>NCS</a:t>
-            </a:r>
-            <a:r>
-              <a:rPr lang="en-US" dirty="0" smtClean="0"/>
-              <a:t>:</a:t>
-            </a:r>
+              <a:t>.</a:t>
+            </a:r>
+            <a:endParaRPr lang="en-US" dirty="0"/>
           </a:p>
           <a:p>
             <a:pPr marL="457200" indent="-457200" algn="just">
-              <a:buFont typeface="Arial" pitchFamily="34" charset="0"/>
-              <a:buAutoNum type="arabicPeriod"/>
+              <a:buNone/>
             </a:pPr>
-            <a:r>
-              <a:rPr lang="en-US" dirty="0" smtClean="0"/>
-              <a:t>AAA.</a:t>
-            </a:r>
-            <a:endParaRPr lang="en-US" dirty="0"/>
-          </a:p>
-          <a:p>
-            <a:pPr marL="457200" indent="-457200" algn="just">
-              <a:buAutoNum type="arabicPeriod"/>
-            </a:pPr>
-            <a:r>
-              <a:rPr lang="en-US" dirty="0" smtClean="0"/>
-              <a:t>BBB.</a:t>
-            </a:r>
-          </a:p>
-          <a:p>
-            <a:pPr marL="457200" indent="-457200" algn="just">
-              <a:buAutoNum type="arabicPeriod"/>
-            </a:pPr>
-            <a:r>
-              <a:rPr lang="en-US" dirty="0" smtClean="0"/>
-              <a:t>CCC.</a:t>
-            </a:r>
+            <a:endParaRPr lang="en-US" dirty="0" smtClean="0"/>
           </a:p>
         </p:txBody>
       </p:sp>
@@ -5298,11 +5293,7 @@
             </a:r>
             <a:r>
               <a:rPr lang="en-US" dirty="0" smtClean="0"/>
-              <a:t> paper </a:t>
-            </a:r>
-            <a:r>
-              <a:rPr lang="en-US" dirty="0" smtClean="0"/>
-              <a:t>“</a:t>
+              <a:t> paper “</a:t>
             </a:r>
             <a:r>
               <a:rPr lang="en-US" dirty="0"/>
@@ -5318,11 +5309,7 @@
             </a:r>
             <a:r>
               <a:rPr lang="en-US" dirty="0" smtClean="0"/>
-              <a:t>Genetic </a:t>
-            </a:r>
-            <a:r>
-              <a:rPr lang="en-US" dirty="0" smtClean="0"/>
-              <a:t>Algorithms” </a:t>
+              <a:t>Genetic Algorithms” </a:t>
             </a:r>
             <a:r>
               <a:rPr lang="en-US" dirty="0" err="1" smtClean="0"/>
@@ -5354,31 +5341,7 @@
             </a:r>
             <a:r>
               <a:rPr lang="en-US" dirty="0" smtClean="0"/>
-              <a:t> </a:t>
-            </a:r>
-            <a:r>
-              <a:rPr lang="en-US" dirty="0" err="1" smtClean="0"/>
-              <a:t>ACOMP</a:t>
-            </a:r>
-            <a:r>
-              <a:rPr lang="en-US" dirty="0" smtClean="0"/>
-              <a:t> 2016 ở </a:t>
-            </a:r>
-            <a:r>
-              <a:rPr lang="en-US" dirty="0" err="1" smtClean="0"/>
-              <a:t>Cần</a:t>
-            </a:r>
-            <a:r>
-              <a:rPr lang="en-US" dirty="0" smtClean="0"/>
-              <a:t> </a:t>
-            </a:r>
-            <a:r>
-              <a:rPr lang="en-US" dirty="0" err="1" smtClean="0"/>
-              <a:t>Thơ</a:t>
-            </a:r>
-            <a:r>
-              <a:rPr lang="en-US" dirty="0" smtClean="0"/>
-              <a:t> 23~25/11/2016.</a:t>
+              <a:t> ACOMP 2016.</a:t>
             </a:r>
           </a:p>
           <a:p>
@@ -5401,11 +5364,23 @@
             </a:r>
             <a:r>
               <a:rPr lang="en-US" dirty="0" smtClean="0"/>
-              <a:t> submit paper </a:t>
-            </a:r>
-            <a:r>
-              <a:rPr lang="en-US" dirty="0"/>
-              <a:t>“Genetic Algorithm-based Test Data Generator using Constraint Solver” </a:t>
+              <a:t> </a:t>
+            </a:r>
+            <a:r>
+              <a:rPr lang="en-US" dirty="0" err="1" smtClean="0"/>
+              <a:t>có</a:t>
+            </a:r>
+            <a:r>
+              <a:rPr lang="en-US" dirty="0" smtClean="0"/>
+              <a:t> paper “Generation of Test Data using Genetic Algorithm and Constraint Solver” </a:t>
+            </a:r>
+            <a:r>
+              <a:rPr lang="en-US" dirty="0" err="1" smtClean="0"/>
+              <a:t>được</a:t>
+            </a:r>
+            <a:r>
+              <a:rPr lang="en-US" dirty="0" smtClean="0"/>
+              <a:t> accepted </a:t>
             </a:r>
             <a:r>
               <a:rPr lang="en-US" dirty="0" err="1" smtClean="0"/>
@@ -5417,11 +5392,23 @@
             </a:r>
             <a:r>
               <a:rPr lang="en-US" dirty="0" err="1" smtClean="0"/>
-              <a:t>SoICT</a:t>
-            </a:r>
-            <a:r>
-              <a:rPr lang="en-US" dirty="0" smtClean="0"/>
-              <a:t> 2016</a:t>
+              <a:t>hội</a:t>
+            </a:r>
+            <a:r>
+              <a:rPr lang="en-US" dirty="0" smtClean="0"/>
+              <a:t> </a:t>
+            </a:r>
+            <a:r>
+              <a:rPr lang="en-US" dirty="0" err="1" smtClean="0"/>
+              <a:t>nghị</a:t>
+            </a:r>
+            <a:r>
+              <a:rPr lang="en-US" smtClean="0"/>
+              <a:t> ACIIDS </a:t>
+            </a:r>
+            <a:r>
+              <a:rPr lang="en-US" dirty="0" smtClean="0"/>
+              <a:t>2017 (Springer SCI book).</a:t>
             </a:r>
           </a:p>
           <a:p>
@@ -5662,11 +5649,7 @@
             </a:r>
             <a:r>
               <a:rPr lang="en-US" dirty="0" smtClean="0"/>
-              <a:t> 2 </a:t>
-            </a:r>
-            <a:r>
-              <a:rPr lang="en-US" dirty="0" smtClean="0"/>
-              <a:t>papers </a:t>
+              <a:t> 2 papers </a:t>
             </a:r>
             <a:r>
               <a:rPr lang="en-US" dirty="0" err="1" smtClean="0"/>
@@ -5682,15 +5665,7 @@
             </a:r>
             <a:r>
               <a:rPr lang="en-US" dirty="0" smtClean="0"/>
-              <a:t> </a:t>
-            </a:r>
-            <a:r>
-              <a:rPr lang="en-US" dirty="0" smtClean="0"/>
-              <a:t>“genetic </a:t>
-            </a:r>
-            <a:r>
-              <a:rPr lang="en-US" dirty="0" smtClean="0"/>
-              <a:t>algorithm </a:t>
+              <a:t> “genetic algorithm </a:t>
             </a:r>
             <a:r>
               <a:rPr lang="en-US" dirty="0"/>
@@ -5700,7 +5675,6 @@
               <a:rPr lang="en-US" dirty="0" smtClean="0"/>
               <a:t>program under test”.</a:t>
             </a:r>
-            <a:endParaRPr lang="en-US" dirty="0" smtClean="0"/>
           </a:p>
           <a:p>
             <a:pPr marL="0" indent="0" algn="just">

--- a/CFT4CUnitSrc/src/report/DinhNgocThi-Baocaotiendo201612.pptx
+++ b/CFT4CUnitSrc/src/report/DinhNgocThi-Baocaotiendo201612.pptx
@@ -302,7 +302,7 @@
             <a:fld id="{303881E0-EDA0-4CAA-BDE9-D54759E7AE67}" type="datetimeFigureOut">
               <a:rPr lang="en-US" smtClean="0"/>
               <a:pPr/>
-              <a:t>12/4/2016</a:t>
+              <a:t>12/5/2016</a:t>
             </a:fld>
             <a:endParaRPr lang="en-US"/>
           </a:p>
@@ -504,7 +504,7 @@
             <a:fld id="{303881E0-EDA0-4CAA-BDE9-D54759E7AE67}" type="datetimeFigureOut">
               <a:rPr lang="en-US" smtClean="0"/>
               <a:pPr/>
-              <a:t>12/4/2016</a:t>
+              <a:t>12/5/2016</a:t>
             </a:fld>
             <a:endParaRPr lang="en-US"/>
           </a:p>
@@ -681,7 +681,7 @@
             <a:fld id="{303881E0-EDA0-4CAA-BDE9-D54759E7AE67}" type="datetimeFigureOut">
               <a:rPr lang="en-US" smtClean="0"/>
               <a:pPr/>
-              <a:t>12/4/2016</a:t>
+              <a:t>12/5/2016</a:t>
             </a:fld>
             <a:endParaRPr lang="en-US"/>
           </a:p>
@@ -848,7 +848,7 @@
             <a:fld id="{303881E0-EDA0-4CAA-BDE9-D54759E7AE67}" type="datetimeFigureOut">
               <a:rPr lang="en-US" smtClean="0"/>
               <a:pPr/>
-              <a:t>12/4/2016</a:t>
+              <a:t>12/5/2016</a:t>
             </a:fld>
             <a:endParaRPr lang="en-US"/>
           </a:p>
@@ -1098,7 +1098,7 @@
             <a:fld id="{303881E0-EDA0-4CAA-BDE9-D54759E7AE67}" type="datetimeFigureOut">
               <a:rPr lang="en-US" smtClean="0"/>
               <a:pPr/>
-              <a:t>12/4/2016</a:t>
+              <a:t>12/5/2016</a:t>
             </a:fld>
             <a:endParaRPr lang="en-US"/>
           </a:p>
@@ -1418,7 +1418,7 @@
             <a:fld id="{303881E0-EDA0-4CAA-BDE9-D54759E7AE67}" type="datetimeFigureOut">
               <a:rPr lang="en-US" smtClean="0"/>
               <a:pPr/>
-              <a:t>12/4/2016</a:t>
+              <a:t>12/5/2016</a:t>
             </a:fld>
             <a:endParaRPr lang="en-US"/>
           </a:p>
@@ -1886,7 +1886,7 @@
             <a:fld id="{303881E0-EDA0-4CAA-BDE9-D54759E7AE67}" type="datetimeFigureOut">
               <a:rPr lang="en-US" smtClean="0"/>
               <a:pPr/>
-              <a:t>12/4/2016</a:t>
+              <a:t>12/5/2016</a:t>
             </a:fld>
             <a:endParaRPr lang="en-US"/>
           </a:p>
@@ -2036,7 +2036,7 @@
             <a:fld id="{303881E0-EDA0-4CAA-BDE9-D54759E7AE67}" type="datetimeFigureOut">
               <a:rPr lang="en-US" smtClean="0"/>
               <a:pPr/>
-              <a:t>12/4/2016</a:t>
+              <a:t>12/5/2016</a:t>
             </a:fld>
             <a:endParaRPr lang="en-US"/>
           </a:p>
@@ -2128,7 +2128,7 @@
             <a:fld id="{303881E0-EDA0-4CAA-BDE9-D54759E7AE67}" type="datetimeFigureOut">
               <a:rPr lang="en-US" smtClean="0"/>
               <a:pPr/>
-              <a:t>12/4/2016</a:t>
+              <a:t>12/5/2016</a:t>
             </a:fld>
             <a:endParaRPr lang="en-US"/>
           </a:p>
@@ -2404,7 +2404,7 @@
             <a:fld id="{303881E0-EDA0-4CAA-BDE9-D54759E7AE67}" type="datetimeFigureOut">
               <a:rPr lang="en-US" smtClean="0"/>
               <a:pPr/>
-              <a:t>12/4/2016</a:t>
+              <a:t>12/5/2016</a:t>
             </a:fld>
             <a:endParaRPr lang="en-US"/>
           </a:p>
@@ -2711,7 +2711,7 @@
             <a:fld id="{303881E0-EDA0-4CAA-BDE9-D54759E7AE67}" type="datetimeFigureOut">
               <a:rPr lang="en-US" smtClean="0"/>
               <a:pPr/>
-              <a:t>12/4/2016</a:t>
+              <a:t>12/5/2016</a:t>
             </a:fld>
             <a:endParaRPr lang="en-US"/>
           </a:p>
@@ -3011,7 +3011,7 @@
             <a:fld id="{303881E0-EDA0-4CAA-BDE9-D54759E7AE67}" type="datetimeFigureOut">
               <a:rPr lang="en-US" smtClean="0"/>
               <a:pPr/>
-              <a:t>12/4/2016</a:t>
+              <a:t>12/5/2016</a:t>
             </a:fld>
             <a:endParaRPr lang="en-US"/>
           </a:p>
@@ -3754,7 +3754,7 @@
     </p:spTree>
     <p:extLst>
       <p:ext uri="{BB962C8B-B14F-4D97-AF65-F5344CB8AC3E}">
-        <p14:creationId xmlns:p14="http://schemas.microsoft.com/office/powerpoint/2010/main" xmlns="" val="2505687080"/>
+        <p14:creationId xmlns:p14="http://schemas.microsoft.com/office/powerpoint/2010/main" val="2505687080"/>
       </p:ext>
     </p:extLst>
   </p:cSld>
@@ -4029,7 +4029,7 @@
     </p:spTree>
     <p:extLst>
       <p:ext uri="{BB962C8B-B14F-4D97-AF65-F5344CB8AC3E}">
-        <p14:creationId xmlns:p14="http://schemas.microsoft.com/office/powerpoint/2010/main" xmlns="" val="2290358762"/>
+        <p14:creationId xmlns:p14="http://schemas.microsoft.com/office/powerpoint/2010/main" val="2290358762"/>
       </p:ext>
     </p:extLst>
   </p:cSld>
@@ -4567,7 +4567,7 @@
     </p:spTree>
     <p:extLst>
       <p:ext uri="{BB962C8B-B14F-4D97-AF65-F5344CB8AC3E}">
-        <p14:creationId xmlns:p14="http://schemas.microsoft.com/office/powerpoint/2010/main" xmlns="" val="1706071063"/>
+        <p14:creationId xmlns:p14="http://schemas.microsoft.com/office/powerpoint/2010/main" val="1706071063"/>
       </p:ext>
     </p:extLst>
   </p:cSld>
@@ -4690,7 +4690,7 @@
         <p:spPr>
           <a:xfrm>
             <a:off x="457200" y="1600200"/>
-            <a:ext cx="8229600" cy="4114800"/>
+            <a:ext cx="8229600" cy="4800600"/>
           </a:xfrm>
         </p:spPr>
         <p:txBody>
@@ -5073,7 +5073,114 @@
               <a:buNone/>
             </a:pPr>
             <a:r>
-              <a:rPr lang="ja-JP" altLang="en-US" smtClean="0"/>
+              <a:rPr lang="ja-JP" altLang="en-US" dirty="0" smtClean="0"/>
+              <a:t>★</a:t>
+            </a:r>
+            <a:r>
+              <a:rPr lang="en-US" altLang="ja-JP" dirty="0" smtClean="0"/>
+              <a:t> </a:t>
+            </a:r>
+            <a:r>
+              <a:rPr lang="en-US" altLang="ja-JP" dirty="0" err="1" smtClean="0"/>
+              <a:t>Đã</a:t>
+            </a:r>
+            <a:r>
+              <a:rPr lang="en-US" altLang="ja-JP" dirty="0" smtClean="0"/>
+              <a:t> </a:t>
+            </a:r>
+            <a:r>
+              <a:rPr lang="en-US" altLang="ja-JP" dirty="0" err="1" smtClean="0"/>
+              <a:t>xin</a:t>
+            </a:r>
+            <a:r>
+              <a:rPr lang="en-US" altLang="ja-JP" dirty="0" smtClean="0"/>
+              <a:t> </a:t>
+            </a:r>
+            <a:r>
+              <a:rPr lang="en-US" altLang="ja-JP" dirty="0" err="1" smtClean="0"/>
+              <a:t>được</a:t>
+            </a:r>
+            <a:r>
+              <a:rPr lang="en-US" altLang="ja-JP" dirty="0" smtClean="0"/>
+              <a:t> </a:t>
+            </a:r>
+            <a:r>
+              <a:rPr lang="en-US" altLang="ja-JP" dirty="0" err="1" smtClean="0"/>
+              <a:t>kéo</a:t>
+            </a:r>
+            <a:r>
+              <a:rPr lang="en-US" altLang="ja-JP" dirty="0" smtClean="0"/>
+              <a:t> </a:t>
+            </a:r>
+            <a:r>
+              <a:rPr lang="en-US" altLang="ja-JP" dirty="0" err="1" smtClean="0"/>
+              <a:t>dài</a:t>
+            </a:r>
+            <a:r>
+              <a:rPr lang="en-US" altLang="ja-JP" dirty="0" smtClean="0"/>
+              <a:t> </a:t>
+            </a:r>
+            <a:r>
+              <a:rPr lang="en-US" altLang="ja-JP" dirty="0" err="1" smtClean="0"/>
+              <a:t>thêm</a:t>
+            </a:r>
+            <a:r>
+              <a:rPr lang="en-US" altLang="ja-JP" dirty="0" smtClean="0"/>
+              <a:t> </a:t>
+            </a:r>
+            <a:r>
+              <a:rPr lang="en-US" altLang="ja-JP" dirty="0" err="1" smtClean="0"/>
+              <a:t>thời</a:t>
+            </a:r>
+            <a:r>
+              <a:rPr lang="en-US" altLang="ja-JP" dirty="0" smtClean="0"/>
+              <a:t> </a:t>
+            </a:r>
+            <a:r>
+              <a:rPr lang="en-US" altLang="ja-JP" dirty="0" err="1" smtClean="0"/>
+              <a:t>gian</a:t>
+            </a:r>
+            <a:r>
+              <a:rPr lang="en-US" altLang="ja-JP" dirty="0" smtClean="0"/>
+              <a:t> </a:t>
+            </a:r>
+            <a:r>
+              <a:rPr lang="en-US" altLang="ja-JP" dirty="0" err="1" smtClean="0"/>
+              <a:t>đào</a:t>
+            </a:r>
+            <a:r>
+              <a:rPr lang="en-US" altLang="ja-JP" dirty="0" smtClean="0"/>
+              <a:t> </a:t>
+            </a:r>
+            <a:r>
+              <a:rPr lang="en-US" altLang="ja-JP" dirty="0" err="1" smtClean="0"/>
+              <a:t>tạo</a:t>
+            </a:r>
+            <a:r>
+              <a:rPr lang="en-US" altLang="ja-JP" dirty="0" smtClean="0"/>
+              <a:t> </a:t>
+            </a:r>
+            <a:r>
+              <a:rPr lang="en-US" altLang="ja-JP" dirty="0" err="1" smtClean="0"/>
+              <a:t>đến</a:t>
+            </a:r>
+            <a:r>
+              <a:rPr lang="en-US" altLang="ja-JP" dirty="0" smtClean="0"/>
+              <a:t> 09/2018</a:t>
+            </a:r>
+          </a:p>
+          <a:p>
+            <a:pPr marL="0" indent="0" algn="just">
+              <a:buNone/>
+            </a:pPr>
+            <a:endParaRPr lang="en-US" altLang="ja-JP" dirty="0" smtClean="0"/>
+          </a:p>
+          <a:p>
+            <a:pPr marL="0" indent="0" algn="just">
+              <a:buNone/>
+            </a:pPr>
+            <a:r>
+              <a:rPr lang="ja-JP" altLang="en-US" dirty="0" smtClean="0"/>
               <a:t>★ </a:t>
             </a:r>
             <a:r>
@@ -5162,7 +5269,7 @@
     </p:spTree>
     <p:extLst>
       <p:ext uri="{BB962C8B-B14F-4D97-AF65-F5344CB8AC3E}">
-        <p14:creationId xmlns:p14="http://schemas.microsoft.com/office/powerpoint/2010/main" xmlns="" val="4262241308"/>
+        <p14:creationId xmlns:p14="http://schemas.microsoft.com/office/powerpoint/2010/main" val="4262241308"/>
       </p:ext>
     </p:extLst>
   </p:cSld>
@@ -5341,8 +5448,37 @@
             </a:r>
             <a:r>
               <a:rPr lang="en-US" dirty="0" smtClean="0"/>
-              <a:t> ACOMP 2016.</a:t>
-            </a:r>
+              <a:t> </a:t>
+            </a:r>
+            <a:r>
+              <a:rPr lang="en-US" dirty="0" err="1" smtClean="0"/>
+              <a:t>ACOMP</a:t>
+            </a:r>
+            <a:r>
+              <a:rPr lang="en-US" dirty="0" smtClean="0"/>
+              <a:t> </a:t>
+            </a:r>
+            <a:r>
+              <a:rPr lang="en-US" dirty="0" smtClean="0"/>
+              <a:t>2016 (</a:t>
+            </a:r>
+            <a:r>
+              <a:rPr lang="en-US" dirty="0" smtClean="0"/>
+              <a:t>indexed </a:t>
+            </a:r>
+            <a:r>
+              <a:rPr lang="en-US" dirty="0"/>
+              <a:t>by </a:t>
+            </a:r>
+            <a:r>
+              <a:rPr lang="en-US" dirty="0" err="1" smtClean="0"/>
+              <a:t>DBLP</a:t>
+            </a:r>
+            <a:r>
+              <a:rPr lang="en-US" dirty="0" smtClean="0"/>
+              <a:t>).</a:t>
+            </a:r>
+            <a:endParaRPr lang="en-US" dirty="0" smtClean="0"/>
           </a:p>
           <a:p>
             <a:pPr marL="0" indent="0" algn="just">
@@ -5403,8 +5539,20 @@
               <a:t>nghị</a:t>
             </a:r>
             <a:r>
-              <a:rPr lang="en-US" smtClean="0"/>
-              <a:t> ACIIDS </a:t>
+              <a:rPr lang="en-US" dirty="0" smtClean="0"/>
+              <a:t> </a:t>
+            </a:r>
+            <a:r>
+              <a:rPr lang="en-US" dirty="0" smtClean="0"/>
+              <a:t> </a:t>
+            </a:r>
+            <a:r>
+              <a:rPr lang="en-US" dirty="0" err="1" smtClean="0"/>
+              <a:t>ACIIDS</a:t>
+            </a:r>
+            <a:r>
+              <a:rPr lang="en-US" dirty="0" smtClean="0"/>
+              <a:t> </a:t>
             </a:r>
             <a:r>
               <a:rPr lang="en-US" dirty="0" smtClean="0"/>
@@ -5458,7 +5606,7 @@
     </p:spTree>
     <p:extLst>
       <p:ext uri="{BB962C8B-B14F-4D97-AF65-F5344CB8AC3E}">
-        <p14:creationId xmlns:p14="http://schemas.microsoft.com/office/powerpoint/2010/main" xmlns="" val="486911666"/>
+        <p14:creationId xmlns:p14="http://schemas.microsoft.com/office/powerpoint/2010/main" val="486911666"/>
       </p:ext>
     </p:extLst>
   </p:cSld>
@@ -5693,7 +5841,7 @@
     </p:spTree>
     <p:extLst>
       <p:ext uri="{BB962C8B-B14F-4D97-AF65-F5344CB8AC3E}">
-        <p14:creationId xmlns:p14="http://schemas.microsoft.com/office/powerpoint/2010/main" xmlns="" val="3136962569"/>
+        <p14:creationId xmlns:p14="http://schemas.microsoft.com/office/powerpoint/2010/main" val="3136962569"/>
       </p:ext>
     </p:extLst>
   </p:cSld>
@@ -5824,7 +5972,7 @@
     </p:spTree>
     <p:extLst>
       <p:ext uri="{BB962C8B-B14F-4D97-AF65-F5344CB8AC3E}">
-        <p14:creationId xmlns:p14="http://schemas.microsoft.com/office/powerpoint/2010/main" xmlns="" val="1441455490"/>
+        <p14:creationId xmlns:p14="http://schemas.microsoft.com/office/powerpoint/2010/main" val="1441455490"/>
       </p:ext>
     </p:extLst>
   </p:cSld>

--- a/CFT4CUnitSrc/src/report/DinhNgocThi-Baocaotiendo201612.pptx
+++ b/CFT4CUnitSrc/src/report/DinhNgocThi-Baocaotiendo201612.pptx
@@ -302,7 +302,7 @@
             <a:fld id="{303881E0-EDA0-4CAA-BDE9-D54759E7AE67}" type="datetimeFigureOut">
               <a:rPr lang="en-US" smtClean="0"/>
               <a:pPr/>
-              <a:t>12/5/2016</a:t>
+              <a:t>12/30/2016</a:t>
             </a:fld>
             <a:endParaRPr lang="en-US"/>
           </a:p>
@@ -504,7 +504,7 @@
             <a:fld id="{303881E0-EDA0-4CAA-BDE9-D54759E7AE67}" type="datetimeFigureOut">
               <a:rPr lang="en-US" smtClean="0"/>
               <a:pPr/>
-              <a:t>12/5/2016</a:t>
+              <a:t>12/30/2016</a:t>
             </a:fld>
             <a:endParaRPr lang="en-US"/>
           </a:p>
@@ -681,7 +681,7 @@
             <a:fld id="{303881E0-EDA0-4CAA-BDE9-D54759E7AE67}" type="datetimeFigureOut">
               <a:rPr lang="en-US" smtClean="0"/>
               <a:pPr/>
-              <a:t>12/5/2016</a:t>
+              <a:t>12/30/2016</a:t>
             </a:fld>
             <a:endParaRPr lang="en-US"/>
           </a:p>
@@ -848,7 +848,7 @@
             <a:fld id="{303881E0-EDA0-4CAA-BDE9-D54759E7AE67}" type="datetimeFigureOut">
               <a:rPr lang="en-US" smtClean="0"/>
               <a:pPr/>
-              <a:t>12/5/2016</a:t>
+              <a:t>12/30/2016</a:t>
             </a:fld>
             <a:endParaRPr lang="en-US"/>
           </a:p>
@@ -1098,7 +1098,7 @@
             <a:fld id="{303881E0-EDA0-4CAA-BDE9-D54759E7AE67}" type="datetimeFigureOut">
               <a:rPr lang="en-US" smtClean="0"/>
               <a:pPr/>
-              <a:t>12/5/2016</a:t>
+              <a:t>12/30/2016</a:t>
             </a:fld>
             <a:endParaRPr lang="en-US"/>
           </a:p>
@@ -1418,7 +1418,7 @@
             <a:fld id="{303881E0-EDA0-4CAA-BDE9-D54759E7AE67}" type="datetimeFigureOut">
               <a:rPr lang="en-US" smtClean="0"/>
               <a:pPr/>
-              <a:t>12/5/2016</a:t>
+              <a:t>12/30/2016</a:t>
             </a:fld>
             <a:endParaRPr lang="en-US"/>
           </a:p>
@@ -1886,7 +1886,7 @@
             <a:fld id="{303881E0-EDA0-4CAA-BDE9-D54759E7AE67}" type="datetimeFigureOut">
               <a:rPr lang="en-US" smtClean="0"/>
               <a:pPr/>
-              <a:t>12/5/2016</a:t>
+              <a:t>12/30/2016</a:t>
             </a:fld>
             <a:endParaRPr lang="en-US"/>
           </a:p>
@@ -2036,7 +2036,7 @@
             <a:fld id="{303881E0-EDA0-4CAA-BDE9-D54759E7AE67}" type="datetimeFigureOut">
               <a:rPr lang="en-US" smtClean="0"/>
               <a:pPr/>
-              <a:t>12/5/2016</a:t>
+              <a:t>12/30/2016</a:t>
             </a:fld>
             <a:endParaRPr lang="en-US"/>
           </a:p>
@@ -2128,7 +2128,7 @@
             <a:fld id="{303881E0-EDA0-4CAA-BDE9-D54759E7AE67}" type="datetimeFigureOut">
               <a:rPr lang="en-US" smtClean="0"/>
               <a:pPr/>
-              <a:t>12/5/2016</a:t>
+              <a:t>12/30/2016</a:t>
             </a:fld>
             <a:endParaRPr lang="en-US"/>
           </a:p>
@@ -2404,7 +2404,7 @@
             <a:fld id="{303881E0-EDA0-4CAA-BDE9-D54759E7AE67}" type="datetimeFigureOut">
               <a:rPr lang="en-US" smtClean="0"/>
               <a:pPr/>
-              <a:t>12/5/2016</a:t>
+              <a:t>12/30/2016</a:t>
             </a:fld>
             <a:endParaRPr lang="en-US"/>
           </a:p>
@@ -2711,7 +2711,7 @@
             <a:fld id="{303881E0-EDA0-4CAA-BDE9-D54759E7AE67}" type="datetimeFigureOut">
               <a:rPr lang="en-US" smtClean="0"/>
               <a:pPr/>
-              <a:t>12/5/2016</a:t>
+              <a:t>12/30/2016</a:t>
             </a:fld>
             <a:endParaRPr lang="en-US"/>
           </a:p>
@@ -3011,7 +3011,7 @@
             <a:fld id="{303881E0-EDA0-4CAA-BDE9-D54759E7AE67}" type="datetimeFigureOut">
               <a:rPr lang="en-US" smtClean="0"/>
               <a:pPr/>
-              <a:t>12/5/2016</a:t>
+              <a:t>12/30/2016</a:t>
             </a:fld>
             <a:endParaRPr lang="en-US"/>
           </a:p>
@@ -5456,15 +5456,7 @@
             </a:r>
             <a:r>
               <a:rPr lang="en-US" dirty="0" smtClean="0"/>
-              <a:t> </a:t>
-            </a:r>
-            <a:r>
-              <a:rPr lang="en-US" dirty="0" smtClean="0"/>
-              <a:t>2016 (</a:t>
-            </a:r>
-            <a:r>
-              <a:rPr lang="en-US" dirty="0" smtClean="0"/>
-              <a:t>indexed </a:t>
+              <a:t> 2016 (indexed </a:t>
             </a:r>
             <a:r>
               <a:rPr lang="en-US" dirty="0"/>
@@ -5478,7 +5470,6 @@
               <a:rPr lang="en-US" dirty="0" smtClean="0"/>
               <a:t>).</a:t>
             </a:r>
-            <a:endParaRPr lang="en-US" dirty="0" smtClean="0"/>
           </a:p>
           <a:p>
             <a:pPr marL="0" indent="0" algn="just">
@@ -5540,11 +5531,7 @@
             </a:r>
             <a:r>
               <a:rPr lang="en-US" dirty="0" smtClean="0"/>
-              <a:t> </a:t>
-            </a:r>
-            <a:r>
-              <a:rPr lang="en-US" dirty="0" smtClean="0"/>
-              <a:t> </a:t>
+              <a:t>  </a:t>
             </a:r>
             <a:r>
               <a:rPr lang="en-US" dirty="0" err="1" smtClean="0"/>
@@ -5552,11 +5539,7 @@
             </a:r>
             <a:r>
               <a:rPr lang="en-US" dirty="0" smtClean="0"/>
-              <a:t> </a:t>
-            </a:r>
-            <a:r>
-              <a:rPr lang="en-US" dirty="0" smtClean="0"/>
-              <a:t>2017 (Springer SCI book).</a:t>
+              <a:t> 2017 (Springer SCI book).</a:t>
             </a:r>
           </a:p>
           <a:p>
@@ -5736,36 +5719,8 @@
               <a:buNone/>
             </a:pPr>
             <a:r>
-              <a:rPr lang="en-US" dirty="0" err="1" smtClean="0"/>
-              <a:t>Mở</a:t>
-            </a:r>
-            <a:r>
-              <a:rPr lang="en-US" dirty="0" smtClean="0"/>
-              <a:t> </a:t>
-            </a:r>
-            <a:r>
-              <a:rPr lang="en-US" dirty="0" err="1" smtClean="0"/>
-              <a:t>rộng</a:t>
-            </a:r>
-            <a:r>
-              <a:rPr lang="en-US" dirty="0" smtClean="0"/>
-              <a:t> paper submit ở </a:t>
-            </a:r>
-            <a:r>
-              <a:rPr lang="en-US" dirty="0" err="1" smtClean="0"/>
-              <a:t>SoICT2016</a:t>
-            </a:r>
-            <a:r>
-              <a:rPr lang="en-US" dirty="0" smtClean="0"/>
-              <a:t>, </a:t>
-            </a:r>
-            <a:r>
-              <a:rPr lang="en-US" dirty="0"/>
-              <a:t>t</a:t>
-            </a:r>
-            <a:r>
-              <a:rPr lang="en-US" dirty="0" smtClean="0"/>
-              <a:t>rong </a:t>
+              <a:rPr lang="en-US" dirty="0" smtClean="0"/>
+              <a:t>Trong </a:t>
             </a:r>
             <a:r>
               <a:rPr lang="en-US" dirty="0" err="1" smtClean="0"/>
@@ -5813,16 +5768,41 @@
             </a:r>
             <a:r>
               <a:rPr lang="en-US" dirty="0" smtClean="0"/>
-              <a:t> “genetic algorithm </a:t>
-            </a:r>
-            <a:r>
-              <a:rPr lang="en-US" dirty="0"/>
-              <a:t>to automatically generate test cases for a given </a:t>
-            </a:r>
-            <a:r>
-              <a:rPr lang="en-US" dirty="0" smtClean="0"/>
-              <a:t>program under test”.</a:t>
-            </a:r>
+              <a:t> </a:t>
+            </a:r>
+            <a:r>
+              <a:rPr lang="en-US" dirty="0" err="1" smtClean="0"/>
+              <a:t>chủ</a:t>
+            </a:r>
+            <a:r>
+              <a:rPr lang="en-US" dirty="0" smtClean="0"/>
+              <a:t> </a:t>
+            </a:r>
+            <a:r>
+              <a:rPr lang="en-US" dirty="0" err="1" smtClean="0"/>
+              <a:t>đề</a:t>
+            </a:r>
+            <a:r>
+              <a:rPr lang="en-US" dirty="0" smtClean="0"/>
+              <a:t> </a:t>
+            </a:r>
+            <a:r>
+              <a:rPr lang="en-US" dirty="0" err="1" smtClean="0"/>
+              <a:t>nghiên</a:t>
+            </a:r>
+            <a:r>
+              <a:rPr lang="en-US" dirty="0" smtClean="0"/>
+              <a:t> </a:t>
+            </a:r>
+            <a:r>
+              <a:rPr lang="en-US" dirty="0" err="1" smtClean="0"/>
+              <a:t>cứu</a:t>
+            </a:r>
+            <a:r>
+              <a:rPr lang="en-US" dirty="0" smtClean="0"/>
+              <a:t>.</a:t>
+            </a:r>
+            <a:endParaRPr lang="en-US" dirty="0" smtClean="0"/>
           </a:p>
           <a:p>
             <a:pPr marL="0" indent="0" algn="just">
